--- a/git및github첫걸음-git사용하기.pptx
+++ b/git및github첫걸음-git사용하기.pptx
@@ -5,7 +5,7 @@
     <p:sldMasterId id="2147483660" r:id="rId1"/>
   </p:sldMasterIdLst>
   <p:notesMasterIdLst>
-    <p:notesMasterId r:id="rId62"/>
+    <p:notesMasterId r:id="rId63"/>
   </p:notesMasterIdLst>
   <p:sldIdLst>
     <p:sldId id="256" r:id="rId2"/>
@@ -65,9 +65,10 @@
     <p:sldId id="338" r:id="rId56"/>
     <p:sldId id="334" r:id="rId57"/>
     <p:sldId id="327" r:id="rId58"/>
-    <p:sldId id="258" r:id="rId59"/>
-    <p:sldId id="294" r:id="rId60"/>
-    <p:sldId id="295" r:id="rId61"/>
+    <p:sldId id="339" r:id="rId59"/>
+    <p:sldId id="340" r:id="rId60"/>
+    <p:sldId id="294" r:id="rId61"/>
+    <p:sldId id="295" r:id="rId62"/>
   </p:sldIdLst>
   <p:sldSz cx="9144000" cy="6858000" type="screen4x3"/>
   <p:notesSz cx="6858000" cy="9144000"/>
@@ -267,7 +268,7 @@
           <a:p>
             <a:fld id="{A17B9194-BDE3-40E3-983E-94CE6FA773AF}" type="datetimeFigureOut">
               <a:rPr lang="ko-KR" altLang="en-US" smtClean="0"/>
-              <a:t>2021-03-30</a:t>
+              <a:t>2021-03-31</a:t>
             </a:fld>
             <a:endParaRPr lang="ko-KR" altLang="en-US"/>
           </a:p>
@@ -7150,7 +7151,7 @@
           <a:p>
             <a:fld id="{E21B9514-74DA-4CE0-B90D-FD8339E8B0A0}" type="datetime1">
               <a:rPr lang="ko-KR" altLang="en-US" smtClean="0"/>
-              <a:t>2021-03-30</a:t>
+              <a:t>2021-03-31</a:t>
             </a:fld>
             <a:endParaRPr lang="ko-KR" altLang="en-US"/>
           </a:p>
@@ -7363,7 +7364,7 @@
           <a:p>
             <a:fld id="{37883CCA-A7E4-4FF8-B845-EE42572F55B4}" type="datetime1">
               <a:rPr lang="ko-KR" altLang="en-US" smtClean="0"/>
-              <a:t>2021-03-30</a:t>
+              <a:t>2021-03-31</a:t>
             </a:fld>
             <a:endParaRPr lang="ko-KR" altLang="en-US"/>
           </a:p>
@@ -33861,6 +33862,109 @@
           </a:p>
         </p:txBody>
       </p:sp>
+      <p:cxnSp>
+        <p:nvCxnSpPr>
+          <p:cNvPr id="8" name="직선 화살표 연결선 7">
+            <a:extLst>
+              <a:ext uri="{FF2B5EF4-FFF2-40B4-BE49-F238E27FC236}">
+                <a16:creationId xmlns:a16="http://schemas.microsoft.com/office/drawing/2014/main" id="{416B6FB5-E7DD-4745-A065-E6B55677DA46}"/>
+              </a:ext>
+            </a:extLst>
+          </p:cNvPr>
+          <p:cNvCxnSpPr>
+            <a:cxnSpLocks/>
+          </p:cNvCxnSpPr>
+          <p:nvPr/>
+        </p:nvCxnSpPr>
+        <p:spPr>
+          <a:xfrm flipH="1">
+            <a:off x="6457950" y="2467610"/>
+            <a:ext cx="528478" cy="2237954"/>
+          </a:xfrm>
+          <a:prstGeom prst="straightConnector1">
+            <a:avLst/>
+          </a:prstGeom>
+          <a:ln w="38100">
+            <a:solidFill>
+              <a:schemeClr val="accent1">
+                <a:lumMod val="60000"/>
+                <a:lumOff val="40000"/>
+              </a:schemeClr>
+            </a:solidFill>
+            <a:tailEnd type="triangle"/>
+          </a:ln>
+        </p:spPr>
+        <p:style>
+          <a:lnRef idx="1">
+            <a:schemeClr val="accent1"/>
+          </a:lnRef>
+          <a:fillRef idx="0">
+            <a:schemeClr val="accent1"/>
+          </a:fillRef>
+          <a:effectRef idx="0">
+            <a:schemeClr val="accent1"/>
+          </a:effectRef>
+          <a:fontRef idx="minor">
+            <a:schemeClr val="tx1"/>
+          </a:fontRef>
+        </p:style>
+      </p:cxnSp>
+      <p:sp>
+        <p:nvSpPr>
+          <p:cNvPr id="13" name="TextBox 12">
+            <a:extLst>
+              <a:ext uri="{FF2B5EF4-FFF2-40B4-BE49-F238E27FC236}">
+                <a16:creationId xmlns:a16="http://schemas.microsoft.com/office/drawing/2014/main" id="{9C51F87E-D395-454A-B4AA-7697A0FA570A}"/>
+              </a:ext>
+            </a:extLst>
+          </p:cNvPr>
+          <p:cNvSpPr txBox="1"/>
+          <p:nvPr/>
+        </p:nvSpPr>
+        <p:spPr>
+          <a:xfrm>
+            <a:off x="3561906" y="4655673"/>
+            <a:ext cx="5054792" cy="307777"/>
+          </a:xfrm>
+          <a:prstGeom prst="rect">
+            <a:avLst/>
+          </a:prstGeom>
+          <a:noFill/>
+        </p:spPr>
+        <p:txBody>
+          <a:bodyPr wrap="square">
+            <a:spAutoFit/>
+          </a:bodyPr>
+          <a:lstStyle/>
+          <a:p>
+            <a:r>
+              <a:rPr lang="en-US" altLang="ko-KR" sz="1400" dirty="0">
+                <a:latin typeface="+mn-ea"/>
+              </a:rPr>
+              <a:t> ※ merging </a:t>
+            </a:r>
+            <a:r>
+              <a:rPr lang="ko-KR" altLang="en-US" sz="1400" dirty="0">
+                <a:latin typeface="+mn-ea"/>
+              </a:rPr>
+              <a:t>중이므로 반드시 </a:t>
+            </a:r>
+            <a:r>
+              <a:rPr lang="en-US" altLang="ko-KR" sz="1400" dirty="0">
+                <a:latin typeface="+mn-ea"/>
+              </a:rPr>
+              <a:t>commit</a:t>
+            </a:r>
+            <a:r>
+              <a:rPr lang="ko-KR" altLang="en-US" sz="1400" dirty="0">
+                <a:latin typeface="+mn-ea"/>
+              </a:rPr>
+              <a:t>을 이후에 진행해야 함</a:t>
+            </a:r>
+            <a:endParaRPr lang="ko-KR" altLang="en-US" sz="1400" dirty="0"/>
+          </a:p>
+        </p:txBody>
+      </p:sp>
     </p:spTree>
     <p:extLst>
       <p:ext uri="{BB962C8B-B14F-4D97-AF65-F5344CB8AC3E}">
@@ -44194,8 +44298,13 @@
           <a:p>
             <a:r>
               <a:rPr lang="ko-KR" altLang="en-US" dirty="0"/>
-              <a:t>복습</a:t>
-            </a:r>
+              <a:t>복습 </a:t>
+            </a:r>
+            <a:r>
+              <a:rPr lang="en-US" altLang="ko-KR" dirty="0"/>
+              <a:t>&amp;</a:t>
+            </a:r>
+            <a:endParaRPr lang="ko-KR" altLang="en-US" dirty="0"/>
           </a:p>
         </p:txBody>
       </p:sp>
@@ -44221,7 +44330,7 @@
         </p:blipFill>
         <p:spPr>
           <a:xfrm>
-            <a:off x="2015749" y="1943100"/>
+            <a:off x="2252662" y="1943100"/>
             <a:ext cx="4638675" cy="2971800"/>
           </a:xfrm>
           <a:prstGeom prst="rect">
@@ -44262,7 +44371,7 @@
     </p:spTree>
     <p:extLst>
       <p:ext uri="{BB962C8B-B14F-4D97-AF65-F5344CB8AC3E}">
-        <p14:creationId xmlns:p14="http://schemas.microsoft.com/office/powerpoint/2010/main" val="3138347914"/>
+        <p14:creationId xmlns:p14="http://schemas.microsoft.com/office/powerpoint/2010/main" val="1963916080"/>
       </p:ext>
     </p:extLst>
   </p:cSld>
@@ -44312,17 +44421,52 @@
           <a:p>
             <a:r>
               <a:rPr lang="ko-KR" altLang="en-US" dirty="0"/>
-              <a:t>기타 환경 설정</a:t>
-            </a:r>
+              <a:t>복습 </a:t>
+            </a:r>
+            <a:r>
+              <a:rPr lang="en-US" altLang="ko-KR" dirty="0"/>
+              <a:t>&amp;</a:t>
+            </a:r>
+            <a:endParaRPr lang="ko-KR" altLang="en-US" dirty="0"/>
           </a:p>
         </p:txBody>
       </p:sp>
       <p:sp>
         <p:nvSpPr>
-          <p:cNvPr id="5" name="내용 개체 틀 4">
+          <p:cNvPr id="5" name="슬라이드 번호 개체 틀 4">
             <a:extLst>
               <a:ext uri="{FF2B5EF4-FFF2-40B4-BE49-F238E27FC236}">
-                <a16:creationId xmlns:a16="http://schemas.microsoft.com/office/drawing/2014/main" id="{FDF69C25-9F43-470B-8A20-AEDC0F371CCD}"/>
+                <a16:creationId xmlns:a16="http://schemas.microsoft.com/office/drawing/2014/main" id="{F173C1D3-216A-403A-A8C8-A8FF24D1DB4D}"/>
+              </a:ext>
+            </a:extLst>
+          </p:cNvPr>
+          <p:cNvSpPr>
+            <a:spLocks noGrp="1"/>
+          </p:cNvSpPr>
+          <p:nvPr>
+            <p:ph type="sldNum" sz="quarter" idx="12"/>
+          </p:nvPr>
+        </p:nvSpPr>
+        <p:spPr/>
+        <p:txBody>
+          <a:bodyPr/>
+          <a:lstStyle/>
+          <a:p>
+            <a:fld id="{526ADF51-C4A2-4521-899C-87F34FDB9C0A}" type="slidenum">
+              <a:rPr lang="ko-KR" altLang="en-US" smtClean="0"/>
+              <a:pPr/>
+              <a:t>59</a:t>
+            </a:fld>
+            <a:endParaRPr lang="ko-KR" altLang="en-US" dirty="0"/>
+          </a:p>
+        </p:txBody>
+      </p:sp>
+      <p:sp>
+        <p:nvSpPr>
+          <p:cNvPr id="6" name="내용 개체 틀 4">
+            <a:extLst>
+              <a:ext uri="{FF2B5EF4-FFF2-40B4-BE49-F238E27FC236}">
+                <a16:creationId xmlns:a16="http://schemas.microsoft.com/office/drawing/2014/main" id="{28694C98-C42E-4737-8440-BF63D98B8179}"/>
               </a:ext>
             </a:extLst>
           </p:cNvPr>
@@ -44335,12 +44479,12 @@
         </p:nvSpPr>
         <p:spPr>
           <a:xfrm>
-            <a:off x="250825" y="1000222"/>
-            <a:ext cx="8641655" cy="1881212"/>
+            <a:off x="250825" y="1000221"/>
+            <a:ext cx="8813165" cy="5356130"/>
           </a:xfrm>
         </p:spPr>
         <p:txBody>
-          <a:bodyPr vert="horz" lIns="91440" tIns="45720" rIns="91440" bIns="45720" rtlCol="0">
+          <a:bodyPr>
             <a:noAutofit/>
           </a:bodyPr>
           <a:lstStyle/>
@@ -44349,43 +44493,24 @@
               <a:spcBef>
                 <a:spcPct val="0"/>
               </a:spcBef>
-            </a:pPr>
-            <a:r>
-              <a:rPr lang="en-US" altLang="ko-KR" sz="1600" dirty="0">
-                <a:latin typeface="+mn-lt"/>
-              </a:rPr>
-              <a:t>Bash </a:t>
-            </a:r>
-            <a:r>
-              <a:rPr lang="ko-KR" altLang="en-US" sz="1600" dirty="0">
-                <a:latin typeface="+mn-lt"/>
-              </a:rPr>
-              <a:t>한글 깨지는 문제 </a:t>
-            </a:r>
-            <a:r>
-              <a:rPr lang="en-US" altLang="ko-KR" sz="1600" dirty="0">
-                <a:latin typeface="+mn-lt"/>
-              </a:rPr>
-              <a:t>(</a:t>
-            </a:r>
-            <a:r>
-              <a:rPr lang="ko-KR" altLang="en-US" sz="1600" dirty="0">
-                <a:latin typeface="+mn-lt"/>
-              </a:rPr>
-              <a:t>파일명 깨지는 문제</a:t>
-            </a:r>
-            <a:r>
-              <a:rPr lang="en-US" altLang="ko-KR" sz="1600" dirty="0">
-                <a:latin typeface="+mn-lt"/>
-              </a:rPr>
-              <a:t>)</a:t>
-            </a:r>
-            <a:endParaRPr lang="ko-KR" altLang="en-US" sz="1600" dirty="0">
-              <a:latin typeface="+mn-lt"/>
-            </a:endParaRPr>
-          </a:p>
-          <a:p>
-            <a:pPr marL="266700" lvl="1" indent="0">
+              <a:buClr>
+                <a:schemeClr val="tx1">
+                  <a:lumMod val="65000"/>
+                  <a:lumOff val="35000"/>
+                </a:schemeClr>
+              </a:buClr>
+            </a:pPr>
+            <a:r>
+              <a:rPr lang="en-US" altLang="ko-KR" dirty="0"/>
+              <a:t>Merge </a:t>
+            </a:r>
+            <a:r>
+              <a:rPr lang="ko-KR" altLang="en-US" dirty="0"/>
+              <a:t>종류</a:t>
+            </a:r>
+          </a:p>
+          <a:p>
+            <a:pPr lvl="1">
               <a:spcBef>
                 <a:spcPts val="0"/>
               </a:spcBef>
@@ -44398,41 +44523,28 @@
                   <a:lumOff val="50000"/>
                 </a:schemeClr>
               </a:buClr>
-              <a:buNone/>
-            </a:pPr>
-            <a:r>
-              <a:rPr lang="en-US" altLang="ko-KR" dirty="0">
-                <a:latin typeface="+mn-ea"/>
-              </a:rPr>
-              <a:t>1. git config --global  </a:t>
-            </a:r>
-            <a:r>
-              <a:rPr lang="en-US" altLang="ko-KR" dirty="0" err="1">
-                <a:latin typeface="+mn-ea"/>
-              </a:rPr>
-              <a:t>core.quotepath</a:t>
-            </a:r>
-            <a:r>
-              <a:rPr lang="en-US" altLang="ko-KR" dirty="0">
-                <a:latin typeface="+mn-ea"/>
-              </a:rPr>
-              <a:t> false (git bash </a:t>
-            </a:r>
-            <a:r>
-              <a:rPr lang="ko-KR" altLang="en-US" dirty="0">
-                <a:latin typeface="+mn-ea"/>
-              </a:rPr>
-              <a:t>창에서 꼭 실행</a:t>
-            </a:r>
-            <a:r>
-              <a:rPr lang="en-US" altLang="ko-KR" dirty="0">
-                <a:latin typeface="+mn-ea"/>
-              </a:rPr>
-              <a:t>)</a:t>
-            </a:r>
-          </a:p>
-          <a:p>
-            <a:pPr marL="266700" lvl="1" indent="0">
+            </a:pPr>
+            <a:r>
+              <a:rPr lang="en-US" altLang="ko-KR" dirty="0">
+                <a:latin typeface="+mn-ea"/>
+              </a:rPr>
+              <a:t>Merge</a:t>
+            </a:r>
+            <a:r>
+              <a:rPr lang="ko-KR" altLang="en-US" dirty="0">
+                <a:latin typeface="+mn-ea"/>
+              </a:rPr>
+              <a:t> </a:t>
+            </a:r>
+            <a:r>
+              <a:rPr lang="en-US" altLang="ko-KR" dirty="0">
+                <a:latin typeface="+mn-ea"/>
+              </a:rPr>
+              <a:t> </a:t>
+            </a:r>
+          </a:p>
+          <a:p>
+            <a:pPr marL="444500" lvl="1" indent="0">
               <a:spcBef>
                 <a:spcPts val="0"/>
               </a:spcBef>
@@ -44451,44 +44563,45 @@
               <a:rPr lang="en-US" altLang="ko-KR" dirty="0">
                 <a:latin typeface="+mn-ea"/>
               </a:rPr>
-              <a:t>    c:/Users/user/gitconfig </a:t>
-            </a:r>
-            <a:r>
-              <a:rPr lang="ko-KR" altLang="en-US" dirty="0">
-                <a:latin typeface="+mn-ea"/>
-              </a:rPr>
-              <a:t>에서 </a:t>
-            </a:r>
-            <a:r>
-              <a:rPr lang="en-US" altLang="ko-KR" dirty="0">
-                <a:latin typeface="+mn-ea"/>
-              </a:rPr>
-              <a:t>[core] --&gt; </a:t>
-            </a:r>
-            <a:r>
-              <a:rPr lang="en-US" altLang="ko-KR" dirty="0" err="1">
-                <a:latin typeface="+mn-ea"/>
-              </a:rPr>
-              <a:t>quotepath</a:t>
-            </a:r>
-            <a:r>
-              <a:rPr lang="en-US" altLang="ko-KR" dirty="0">
-                <a:latin typeface="+mn-ea"/>
-              </a:rPr>
-              <a:t> = false </a:t>
-            </a:r>
-            <a:r>
-              <a:rPr lang="ko-KR" altLang="en-US" dirty="0">
-                <a:latin typeface="+mn-ea"/>
-              </a:rPr>
-              <a:t>확인</a:t>
-            </a:r>
+              <a:t> ☞  git checkout master</a:t>
+            </a:r>
+          </a:p>
+          <a:p>
+            <a:pPr marL="0" indent="0" algn="l">
+              <a:buNone/>
+            </a:pPr>
+            <a:r>
+              <a:rPr lang="en-US" altLang="ko-KR" sz="1600" dirty="0"/>
+              <a:t>       </a:t>
+            </a:r>
+            <a:r>
+              <a:rPr lang="en-US" altLang="ko-KR" sz="1600" b="0" dirty="0"/>
+              <a:t>☞  git merge my-branch</a:t>
+            </a:r>
+          </a:p>
+          <a:p>
+            <a:pPr marL="628650" lvl="1" indent="-184150">
+              <a:spcBef>
+                <a:spcPts val="0"/>
+              </a:spcBef>
+              <a:spcAft>
+                <a:spcPts val="0"/>
+              </a:spcAft>
+              <a:buClr>
+                <a:schemeClr val="tx1">
+                  <a:lumMod val="50000"/>
+                  <a:lumOff val="50000"/>
+                </a:schemeClr>
+              </a:buClr>
+              <a:buFont typeface="+mj-ea"/>
+              <a:buAutoNum type="circleNumDbPlain" startAt="2"/>
+            </a:pPr>
             <a:endParaRPr lang="en-US" altLang="ko-KR" dirty="0">
               <a:latin typeface="+mn-ea"/>
             </a:endParaRPr>
           </a:p>
           <a:p>
-            <a:pPr marL="266700" lvl="1" indent="0">
+            <a:pPr lvl="1">
               <a:spcBef>
                 <a:spcPts val="0"/>
               </a:spcBef>
@@ -44501,26 +44614,85 @@
                   <a:lumOff val="50000"/>
                 </a:schemeClr>
               </a:buClr>
+            </a:pPr>
+            <a:r>
+              <a:rPr lang="en-US" altLang="ko-KR" dirty="0">
+                <a:latin typeface="+mn-ea"/>
+              </a:rPr>
+              <a:t>Squash &amp; Merge</a:t>
+            </a:r>
+            <a:r>
+              <a:rPr lang="ko-KR" altLang="en-US" dirty="0">
+                <a:latin typeface="+mn-ea"/>
+              </a:rPr>
+              <a:t> </a:t>
+            </a:r>
+            <a:r>
+              <a:rPr lang="en-US" altLang="ko-KR" dirty="0">
+                <a:latin typeface="+mn-ea"/>
+              </a:rPr>
+              <a:t> </a:t>
+            </a:r>
+          </a:p>
+          <a:p>
+            <a:pPr marL="444500" lvl="1" indent="0">
+              <a:spcBef>
+                <a:spcPts val="0"/>
+              </a:spcBef>
+              <a:spcAft>
+                <a:spcPts val="0"/>
+              </a:spcAft>
+              <a:buClr>
+                <a:schemeClr val="tx1">
+                  <a:lumMod val="50000"/>
+                  <a:lumOff val="50000"/>
+                </a:schemeClr>
+              </a:buClr>
               <a:buNone/>
             </a:pPr>
             <a:r>
               <a:rPr lang="en-US" altLang="ko-KR" dirty="0">
                 <a:latin typeface="+mn-ea"/>
               </a:rPr>
-              <a:t> 2. bash </a:t>
-            </a:r>
-            <a:r>
-              <a:rPr lang="ko-KR" altLang="en-US" dirty="0">
-                <a:latin typeface="+mn-ea"/>
-              </a:rPr>
-              <a:t>창에서 </a:t>
-            </a:r>
+              <a:t> ☞  git checkout master</a:t>
+            </a:r>
+          </a:p>
+          <a:p>
+            <a:pPr marL="0" indent="0" algn="l">
+              <a:buNone/>
+            </a:pPr>
+            <a:r>
+              <a:rPr lang="en-US" altLang="ko-KR" sz="1600" dirty="0"/>
+              <a:t>       </a:t>
+            </a:r>
+            <a:r>
+              <a:rPr lang="en-US" altLang="ko-KR" sz="1600" b="0" dirty="0"/>
+              <a:t>☞  git merge –squash my-branch</a:t>
+            </a:r>
+          </a:p>
+          <a:p>
+            <a:pPr marL="628650" lvl="1" indent="-184150">
+              <a:spcBef>
+                <a:spcPts val="0"/>
+              </a:spcBef>
+              <a:spcAft>
+                <a:spcPts val="0"/>
+              </a:spcAft>
+              <a:buClr>
+                <a:schemeClr val="tx1">
+                  <a:lumMod val="50000"/>
+                  <a:lumOff val="50000"/>
+                </a:schemeClr>
+              </a:buClr>
+              <a:buFont typeface="+mj-ea"/>
+              <a:buAutoNum type="circleNumDbPlain" startAt="2"/>
+            </a:pPr>
             <a:endParaRPr lang="en-US" altLang="ko-KR" dirty="0">
               <a:latin typeface="+mn-ea"/>
             </a:endParaRPr>
           </a:p>
           <a:p>
-            <a:pPr marL="266700" lvl="1" indent="0">
+            <a:pPr lvl="1">
               <a:spcBef>
                 <a:spcPts val="0"/>
               </a:spcBef>
@@ -44533,859 +44705,197 @@
                   <a:lumOff val="50000"/>
                 </a:schemeClr>
               </a:buClr>
+            </a:pPr>
+            <a:r>
+              <a:rPr lang="en-US" altLang="ko-KR" dirty="0">
+                <a:latin typeface="+mn-ea"/>
+              </a:rPr>
+              <a:t>Rebase &amp; Merge</a:t>
+            </a:r>
+            <a:r>
+              <a:rPr lang="ko-KR" altLang="en-US" dirty="0">
+                <a:latin typeface="+mn-ea"/>
+              </a:rPr>
+              <a:t> </a:t>
+            </a:r>
+            <a:r>
+              <a:rPr lang="en-US" altLang="ko-KR" dirty="0">
+                <a:latin typeface="+mn-ea"/>
+              </a:rPr>
+              <a:t> </a:t>
+            </a:r>
+          </a:p>
+          <a:p>
+            <a:pPr marL="444500" lvl="1" indent="0">
+              <a:spcBef>
+                <a:spcPts val="0"/>
+              </a:spcBef>
+              <a:spcAft>
+                <a:spcPts val="0"/>
+              </a:spcAft>
+              <a:buClr>
+                <a:schemeClr val="tx1">
+                  <a:lumMod val="50000"/>
+                  <a:lumOff val="50000"/>
+                </a:schemeClr>
+              </a:buClr>
               <a:buNone/>
             </a:pPr>
             <a:r>
               <a:rPr lang="en-US" altLang="ko-KR" dirty="0">
                 <a:latin typeface="+mn-ea"/>
               </a:rPr>
-              <a:t>     options → Text → Locale</a:t>
-            </a:r>
-            <a:r>
-              <a:rPr lang="ko-KR" altLang="en-US" dirty="0">
-                <a:latin typeface="+mn-ea"/>
-              </a:rPr>
-              <a:t>항목에서 </a:t>
+              <a:t> ☞  git checkout my-</a:t>
             </a:r>
             <a:r>
               <a:rPr lang="en-US" altLang="ko-KR" dirty="0" err="1">
                 <a:latin typeface="+mn-ea"/>
               </a:rPr>
-              <a:t>ko_KR</a:t>
-            </a:r>
-            <a:r>
-              <a:rPr lang="ko-KR" altLang="en-US" dirty="0">
-                <a:latin typeface="+mn-ea"/>
-              </a:rPr>
-              <a:t>선택</a:t>
-            </a:r>
-            <a:r>
-              <a:rPr lang="en-US" altLang="ko-KR" dirty="0">
-                <a:latin typeface="+mn-ea"/>
-              </a:rPr>
-              <a:t>,  Character set</a:t>
-            </a:r>
-            <a:r>
-              <a:rPr lang="ko-KR" altLang="en-US" dirty="0">
-                <a:latin typeface="+mn-ea"/>
-              </a:rPr>
-              <a:t>에서 </a:t>
-            </a:r>
-            <a:r>
-              <a:rPr lang="en-US" altLang="ko-KR" dirty="0">
-                <a:latin typeface="+mn-ea"/>
-              </a:rPr>
-              <a:t>UTF-8 </a:t>
-            </a:r>
-            <a:r>
-              <a:rPr lang="ko-KR" altLang="en-US" dirty="0">
-                <a:latin typeface="+mn-ea"/>
-              </a:rPr>
-              <a:t>선택</a:t>
-            </a:r>
-            <a:r>
-              <a:rPr lang="en-US" altLang="ko-KR" dirty="0">
-                <a:latin typeface="+mn-ea"/>
-              </a:rPr>
-              <a:t> → </a:t>
-            </a:r>
-            <a:r>
-              <a:rPr lang="ko-KR" altLang="en-US" dirty="0">
-                <a:latin typeface="+mn-ea"/>
-              </a:rPr>
-              <a:t>저장</a:t>
+              <a:t>branchmaster</a:t>
             </a:r>
             <a:endParaRPr lang="en-US" altLang="ko-KR" dirty="0">
               <a:latin typeface="+mn-ea"/>
             </a:endParaRPr>
           </a:p>
+          <a:p>
+            <a:pPr marL="0" indent="0" algn="l">
+              <a:buNone/>
+            </a:pPr>
+            <a:r>
+              <a:rPr lang="en-US" altLang="ko-KR" sz="1600" dirty="0"/>
+              <a:t>       </a:t>
+            </a:r>
+            <a:r>
+              <a:rPr lang="en-US" altLang="ko-KR" sz="1600" b="0" dirty="0"/>
+              <a:t>☞  git rebase master</a:t>
+            </a:r>
+          </a:p>
         </p:txBody>
       </p:sp>
-      <p:sp>
-        <p:nvSpPr>
-          <p:cNvPr id="8" name="내용 개체 틀 4">
+      <p:pic>
+        <p:nvPicPr>
+          <p:cNvPr id="7" name="그림 6">
             <a:extLst>
               <a:ext uri="{FF2B5EF4-FFF2-40B4-BE49-F238E27FC236}">
-                <a16:creationId xmlns:a16="http://schemas.microsoft.com/office/drawing/2014/main" id="{61D0A99B-0950-4539-9272-9FB236971F12}"/>
+                <a16:creationId xmlns:a16="http://schemas.microsoft.com/office/drawing/2014/main" id="{AEEBED26-48A0-4879-BB56-652377FE3A0B}"/>
               </a:ext>
             </a:extLst>
           </p:cNvPr>
-          <p:cNvSpPr txBox="1">
-            <a:spLocks/>
-          </p:cNvSpPr>
+          <p:cNvPicPr>
+            <a:picLocks noChangeAspect="1"/>
+          </p:cNvPicPr>
           <p:nvPr/>
-        </p:nvSpPr>
+        </p:nvPicPr>
+        <p:blipFill>
+          <a:blip r:embed="rId2"/>
+          <a:stretch>
+            <a:fillRect/>
+          </a:stretch>
+        </p:blipFill>
         <p:spPr>
           <a:xfrm>
-            <a:off x="250825" y="2881434"/>
-            <a:ext cx="8641655" cy="850605"/>
+            <a:off x="5080709" y="192579"/>
+            <a:ext cx="2193394" cy="1346352"/>
           </a:xfrm>
           <a:prstGeom prst="rect">
             <a:avLst/>
           </a:prstGeom>
         </p:spPr>
-        <p:txBody>
-          <a:bodyPr vert="horz" lIns="91440" tIns="45720" rIns="91440" bIns="45720" rtlCol="0">
-            <a:noAutofit/>
-          </a:bodyPr>
-          <a:lstStyle>
-            <a:lvl1pPr marL="266700" indent="-266700" algn="l" defTabSz="914400" rtl="0" eaLnBrk="1" latinLnBrk="1" hangingPunct="1">
-              <a:lnSpc>
-                <a:spcPct val="150000"/>
-              </a:lnSpc>
-              <a:spcBef>
-                <a:spcPts val="0"/>
-              </a:spcBef>
-              <a:buClr>
-                <a:schemeClr val="tx1">
-                  <a:lumMod val="65000"/>
-                  <a:lumOff val="35000"/>
-                </a:schemeClr>
-              </a:buClr>
-              <a:buFont typeface="Wingdings" pitchFamily="2" charset="2"/>
-              <a:buChar char="n"/>
-              <a:defRPr sz="2000" b="1" kern="1200">
-                <a:solidFill>
-                  <a:schemeClr val="tx1"/>
-                </a:solidFill>
-                <a:latin typeface="+mn-ea"/>
-                <a:ea typeface="+mn-ea"/>
-                <a:cs typeface="+mn-cs"/>
-              </a:defRPr>
-            </a:lvl1pPr>
-            <a:lvl2pPr marL="447675" indent="-180975" algn="l" defTabSz="914400" rtl="0" eaLnBrk="1" latinLnBrk="1" hangingPunct="1">
-              <a:lnSpc>
-                <a:spcPct val="150000"/>
-              </a:lnSpc>
-              <a:spcBef>
-                <a:spcPts val="500"/>
-              </a:spcBef>
-              <a:spcAft>
-                <a:spcPts val="400"/>
-              </a:spcAft>
-              <a:buClr>
-                <a:schemeClr val="tx1">
-                  <a:lumMod val="65000"/>
-                  <a:lumOff val="35000"/>
-                </a:schemeClr>
-              </a:buClr>
-              <a:buFont typeface="Wingdings" pitchFamily="2" charset="2"/>
-              <a:buChar char="§"/>
-              <a:defRPr sz="1600" kern="1200">
-                <a:solidFill>
-                  <a:schemeClr val="tx1"/>
-                </a:solidFill>
-                <a:latin typeface="+mn-lt"/>
-                <a:ea typeface="+mn-ea"/>
-                <a:cs typeface="+mn-cs"/>
-              </a:defRPr>
-            </a:lvl2pPr>
-            <a:lvl3pPr marL="628650" indent="-180975" algn="l" defTabSz="914400" rtl="0" eaLnBrk="1" latinLnBrk="1" hangingPunct="1">
-              <a:lnSpc>
-                <a:spcPct val="150000"/>
-              </a:lnSpc>
-              <a:spcBef>
-                <a:spcPts val="500"/>
-              </a:spcBef>
-              <a:spcAft>
-                <a:spcPts val="300"/>
-              </a:spcAft>
-              <a:buClr>
-                <a:schemeClr val="tx1">
-                  <a:lumMod val="65000"/>
-                  <a:lumOff val="35000"/>
-                </a:schemeClr>
-              </a:buClr>
-              <a:buFont typeface="Arial" panose="020B0604020202020204" pitchFamily="34" charset="0"/>
-              <a:buChar char="•"/>
-              <a:defRPr sz="1400" kern="1200">
-                <a:solidFill>
-                  <a:schemeClr val="tx1"/>
-                </a:solidFill>
-                <a:latin typeface="+mn-lt"/>
-                <a:ea typeface="+mn-ea"/>
-                <a:cs typeface="+mn-cs"/>
-              </a:defRPr>
-            </a:lvl3pPr>
-            <a:lvl4pPr marL="809625" indent="-180975" algn="l" defTabSz="914400" rtl="0" eaLnBrk="1" latinLnBrk="1" hangingPunct="1">
-              <a:lnSpc>
-                <a:spcPct val="150000"/>
-              </a:lnSpc>
-              <a:spcBef>
-                <a:spcPts val="500"/>
-              </a:spcBef>
-              <a:spcAft>
-                <a:spcPts val="300"/>
-              </a:spcAft>
-              <a:buClr>
-                <a:schemeClr val="tx1">
-                  <a:lumMod val="65000"/>
-                  <a:lumOff val="35000"/>
-                </a:schemeClr>
-              </a:buClr>
-              <a:buSzPct val="96000"/>
-              <a:buFont typeface="Arial" panose="020B0604020202020204" pitchFamily="34" charset="0"/>
-              <a:buChar char="•"/>
-              <a:defRPr sz="1200" kern="1200">
-                <a:solidFill>
-                  <a:schemeClr val="tx1"/>
-                </a:solidFill>
-                <a:latin typeface="+mn-lt"/>
-                <a:ea typeface="+mn-ea"/>
-                <a:cs typeface="+mn-cs"/>
-              </a:defRPr>
-            </a:lvl4pPr>
-            <a:lvl5pPr marL="990600" indent="-180975" algn="l" defTabSz="914400" rtl="0" eaLnBrk="1" latinLnBrk="1" hangingPunct="1">
-              <a:lnSpc>
-                <a:spcPct val="150000"/>
-              </a:lnSpc>
-              <a:spcBef>
-                <a:spcPts val="500"/>
-              </a:spcBef>
-              <a:buClr>
-                <a:schemeClr val="tx1">
-                  <a:lumMod val="65000"/>
-                  <a:lumOff val="35000"/>
-                </a:schemeClr>
-              </a:buClr>
-              <a:buFont typeface="Arial" panose="020B0604020202020204" pitchFamily="34" charset="0"/>
-              <a:buChar char="•"/>
-              <a:defRPr sz="1000" kern="1200">
-                <a:solidFill>
-                  <a:schemeClr val="tx1"/>
-                </a:solidFill>
-                <a:latin typeface="+mn-lt"/>
-                <a:ea typeface="+mn-ea"/>
-                <a:cs typeface="+mn-cs"/>
-              </a:defRPr>
-            </a:lvl5pPr>
-            <a:lvl6pPr marL="2514600" indent="-228600" algn="l" defTabSz="914400" rtl="0" eaLnBrk="1" latinLnBrk="1" hangingPunct="1">
-              <a:lnSpc>
-                <a:spcPct val="90000"/>
-              </a:lnSpc>
-              <a:spcBef>
-                <a:spcPts val="500"/>
-              </a:spcBef>
-              <a:buFont typeface="Arial" panose="020B0604020202020204" pitchFamily="34" charset="0"/>
-              <a:buChar char="•"/>
-              <a:defRPr sz="1800" kern="1200">
-                <a:solidFill>
-                  <a:schemeClr val="tx1"/>
-                </a:solidFill>
-                <a:latin typeface="+mn-lt"/>
-                <a:ea typeface="+mn-ea"/>
-                <a:cs typeface="+mn-cs"/>
-              </a:defRPr>
-            </a:lvl6pPr>
-            <a:lvl7pPr marL="2971800" indent="-228600" algn="l" defTabSz="914400" rtl="0" eaLnBrk="1" latinLnBrk="1" hangingPunct="1">
-              <a:lnSpc>
-                <a:spcPct val="90000"/>
-              </a:lnSpc>
-              <a:spcBef>
-                <a:spcPts val="500"/>
-              </a:spcBef>
-              <a:buFont typeface="Arial" panose="020B0604020202020204" pitchFamily="34" charset="0"/>
-              <a:buChar char="•"/>
-              <a:defRPr sz="1800" kern="1200">
-                <a:solidFill>
-                  <a:schemeClr val="tx1"/>
-                </a:solidFill>
-                <a:latin typeface="+mn-lt"/>
-                <a:ea typeface="+mn-ea"/>
-                <a:cs typeface="+mn-cs"/>
-              </a:defRPr>
-            </a:lvl7pPr>
-            <a:lvl8pPr marL="3429000" indent="-228600" algn="l" defTabSz="914400" rtl="0" eaLnBrk="1" latinLnBrk="1" hangingPunct="1">
-              <a:lnSpc>
-                <a:spcPct val="90000"/>
-              </a:lnSpc>
-              <a:spcBef>
-                <a:spcPts val="500"/>
-              </a:spcBef>
-              <a:buFont typeface="Arial" panose="020B0604020202020204" pitchFamily="34" charset="0"/>
-              <a:buChar char="•"/>
-              <a:defRPr sz="1800" kern="1200">
-                <a:solidFill>
-                  <a:schemeClr val="tx1"/>
-                </a:solidFill>
-                <a:latin typeface="+mn-lt"/>
-                <a:ea typeface="+mn-ea"/>
-                <a:cs typeface="+mn-cs"/>
-              </a:defRPr>
-            </a:lvl8pPr>
-            <a:lvl9pPr marL="3886200" indent="-228600" algn="l" defTabSz="914400" rtl="0" eaLnBrk="1" latinLnBrk="1" hangingPunct="1">
-              <a:lnSpc>
-                <a:spcPct val="90000"/>
-              </a:lnSpc>
-              <a:spcBef>
-                <a:spcPts val="500"/>
-              </a:spcBef>
-              <a:buFont typeface="Arial" panose="020B0604020202020204" pitchFamily="34" charset="0"/>
-              <a:buChar char="•"/>
-              <a:defRPr sz="1800" kern="1200">
-                <a:solidFill>
-                  <a:schemeClr val="tx1"/>
-                </a:solidFill>
-                <a:latin typeface="+mn-lt"/>
-                <a:ea typeface="+mn-ea"/>
-                <a:cs typeface="+mn-cs"/>
-              </a:defRPr>
-            </a:lvl9pPr>
-          </a:lstStyle>
-          <a:p>
-            <a:pPr>
-              <a:spcBef>
-                <a:spcPct val="0"/>
-              </a:spcBef>
-            </a:pPr>
-            <a:r>
-              <a:rPr lang="en-US" altLang="ko-KR" sz="1600" dirty="0">
-                <a:latin typeface="+mn-lt"/>
-              </a:rPr>
-              <a:t>Editor </a:t>
-            </a:r>
-            <a:r>
-              <a:rPr lang="ko-KR" altLang="en-US" sz="1600" dirty="0">
-                <a:latin typeface="+mn-lt"/>
-              </a:rPr>
-              <a:t>변경할 경우</a:t>
-            </a:r>
-          </a:p>
-          <a:p>
-            <a:pPr marL="266700" lvl="1" indent="0">
-              <a:spcBef>
-                <a:spcPts val="0"/>
-              </a:spcBef>
-              <a:spcAft>
-                <a:spcPts val="0"/>
-              </a:spcAft>
-              <a:buClr>
-                <a:schemeClr val="tx1">
-                  <a:lumMod val="50000"/>
-                  <a:lumOff val="50000"/>
-                </a:schemeClr>
-              </a:buClr>
-              <a:buNone/>
-            </a:pPr>
-            <a:r>
-              <a:rPr lang="en-US" altLang="ko-KR" dirty="0">
-                <a:latin typeface="+mn-ea"/>
-              </a:rPr>
-              <a:t>1. git config --global  </a:t>
-            </a:r>
-            <a:r>
-              <a:rPr lang="en-US" altLang="ko-KR" dirty="0" err="1">
-                <a:latin typeface="+mn-ea"/>
-              </a:rPr>
-              <a:t>core.editor</a:t>
-            </a:r>
-            <a:r>
-              <a:rPr lang="ko-KR" altLang="en-US" dirty="0">
-                <a:latin typeface="+mn-ea"/>
-              </a:rPr>
-              <a:t> </a:t>
-            </a:r>
-            <a:r>
-              <a:rPr lang="en-US" altLang="ko-KR" dirty="0">
-                <a:latin typeface="+mn-ea"/>
-              </a:rPr>
-              <a:t>“vim”</a:t>
-            </a:r>
-          </a:p>
-        </p:txBody>
-      </p:sp>
-      <p:sp>
-        <p:nvSpPr>
-          <p:cNvPr id="9" name="내용 개체 틀 4">
+      </p:pic>
+      <p:pic>
+        <p:nvPicPr>
+          <p:cNvPr id="9" name="그림 8">
             <a:extLst>
               <a:ext uri="{FF2B5EF4-FFF2-40B4-BE49-F238E27FC236}">
-                <a16:creationId xmlns:a16="http://schemas.microsoft.com/office/drawing/2014/main" id="{6949066E-984C-4F4F-A0B2-2AC599011B5C}"/>
+                <a16:creationId xmlns:a16="http://schemas.microsoft.com/office/drawing/2014/main" id="{ECC55334-63FC-4274-9B0D-1E40F65EFE2E}"/>
               </a:ext>
             </a:extLst>
           </p:cNvPr>
-          <p:cNvSpPr txBox="1">
-            <a:spLocks/>
-          </p:cNvSpPr>
+          <p:cNvPicPr>
+            <a:picLocks noChangeAspect="1"/>
+          </p:cNvPicPr>
           <p:nvPr/>
-        </p:nvSpPr>
+        </p:nvPicPr>
+        <p:blipFill>
+          <a:blip r:embed="rId3"/>
+          <a:stretch>
+            <a:fillRect/>
+          </a:stretch>
+        </p:blipFill>
         <p:spPr>
           <a:xfrm>
-            <a:off x="250825" y="3732038"/>
-            <a:ext cx="8641655" cy="1982961"/>
+            <a:off x="5138055" y="1706961"/>
+            <a:ext cx="2348595" cy="1312363"/>
           </a:xfrm>
           <a:prstGeom prst="rect">
             <a:avLst/>
           </a:prstGeom>
         </p:spPr>
-        <p:txBody>
-          <a:bodyPr vert="horz" lIns="91440" tIns="45720" rIns="91440" bIns="45720" rtlCol="0">
-            <a:noAutofit/>
-          </a:bodyPr>
-          <a:lstStyle>
-            <a:lvl1pPr marL="266700" indent="-266700" algn="l" defTabSz="914400" rtl="0" eaLnBrk="1" latinLnBrk="1" hangingPunct="1">
-              <a:lnSpc>
-                <a:spcPct val="150000"/>
-              </a:lnSpc>
-              <a:spcBef>
-                <a:spcPts val="0"/>
-              </a:spcBef>
-              <a:buClr>
-                <a:schemeClr val="tx1">
-                  <a:lumMod val="65000"/>
-                  <a:lumOff val="35000"/>
-                </a:schemeClr>
-              </a:buClr>
-              <a:buFont typeface="Wingdings" pitchFamily="2" charset="2"/>
-              <a:buChar char="n"/>
-              <a:defRPr sz="2000" b="1" kern="1200">
-                <a:solidFill>
-                  <a:schemeClr val="tx1"/>
-                </a:solidFill>
-                <a:latin typeface="+mn-ea"/>
-                <a:ea typeface="+mn-ea"/>
-                <a:cs typeface="+mn-cs"/>
-              </a:defRPr>
-            </a:lvl1pPr>
-            <a:lvl2pPr marL="447675" indent="-180975" algn="l" defTabSz="914400" rtl="0" eaLnBrk="1" latinLnBrk="1" hangingPunct="1">
-              <a:lnSpc>
-                <a:spcPct val="150000"/>
-              </a:lnSpc>
-              <a:spcBef>
-                <a:spcPts val="500"/>
-              </a:spcBef>
-              <a:spcAft>
-                <a:spcPts val="400"/>
-              </a:spcAft>
-              <a:buClr>
-                <a:schemeClr val="tx1">
-                  <a:lumMod val="65000"/>
-                  <a:lumOff val="35000"/>
-                </a:schemeClr>
-              </a:buClr>
-              <a:buFont typeface="Wingdings" pitchFamily="2" charset="2"/>
-              <a:buChar char="§"/>
-              <a:defRPr sz="1600" kern="1200">
-                <a:solidFill>
-                  <a:schemeClr val="tx1"/>
-                </a:solidFill>
-                <a:latin typeface="+mn-lt"/>
-                <a:ea typeface="+mn-ea"/>
-                <a:cs typeface="+mn-cs"/>
-              </a:defRPr>
-            </a:lvl2pPr>
-            <a:lvl3pPr marL="628650" indent="-180975" algn="l" defTabSz="914400" rtl="0" eaLnBrk="1" latinLnBrk="1" hangingPunct="1">
-              <a:lnSpc>
-                <a:spcPct val="150000"/>
-              </a:lnSpc>
-              <a:spcBef>
-                <a:spcPts val="500"/>
-              </a:spcBef>
-              <a:spcAft>
-                <a:spcPts val="300"/>
-              </a:spcAft>
-              <a:buClr>
-                <a:schemeClr val="tx1">
-                  <a:lumMod val="65000"/>
-                  <a:lumOff val="35000"/>
-                </a:schemeClr>
-              </a:buClr>
-              <a:buFont typeface="Arial" panose="020B0604020202020204" pitchFamily="34" charset="0"/>
-              <a:buChar char="•"/>
-              <a:defRPr sz="1400" kern="1200">
-                <a:solidFill>
-                  <a:schemeClr val="tx1"/>
-                </a:solidFill>
-                <a:latin typeface="+mn-lt"/>
-                <a:ea typeface="+mn-ea"/>
-                <a:cs typeface="+mn-cs"/>
-              </a:defRPr>
-            </a:lvl3pPr>
-            <a:lvl4pPr marL="809625" indent="-180975" algn="l" defTabSz="914400" rtl="0" eaLnBrk="1" latinLnBrk="1" hangingPunct="1">
-              <a:lnSpc>
-                <a:spcPct val="150000"/>
-              </a:lnSpc>
-              <a:spcBef>
-                <a:spcPts val="500"/>
-              </a:spcBef>
-              <a:spcAft>
-                <a:spcPts val="300"/>
-              </a:spcAft>
-              <a:buClr>
-                <a:schemeClr val="tx1">
-                  <a:lumMod val="65000"/>
-                  <a:lumOff val="35000"/>
-                </a:schemeClr>
-              </a:buClr>
-              <a:buSzPct val="96000"/>
-              <a:buFont typeface="Arial" panose="020B0604020202020204" pitchFamily="34" charset="0"/>
-              <a:buChar char="•"/>
-              <a:defRPr sz="1200" kern="1200">
-                <a:solidFill>
-                  <a:schemeClr val="tx1"/>
-                </a:solidFill>
-                <a:latin typeface="+mn-lt"/>
-                <a:ea typeface="+mn-ea"/>
-                <a:cs typeface="+mn-cs"/>
-              </a:defRPr>
-            </a:lvl4pPr>
-            <a:lvl5pPr marL="990600" indent="-180975" algn="l" defTabSz="914400" rtl="0" eaLnBrk="1" latinLnBrk="1" hangingPunct="1">
-              <a:lnSpc>
-                <a:spcPct val="150000"/>
-              </a:lnSpc>
-              <a:spcBef>
-                <a:spcPts val="500"/>
-              </a:spcBef>
-              <a:buClr>
-                <a:schemeClr val="tx1">
-                  <a:lumMod val="65000"/>
-                  <a:lumOff val="35000"/>
-                </a:schemeClr>
-              </a:buClr>
-              <a:buFont typeface="Arial" panose="020B0604020202020204" pitchFamily="34" charset="0"/>
-              <a:buChar char="•"/>
-              <a:defRPr sz="1000" kern="1200">
-                <a:solidFill>
-                  <a:schemeClr val="tx1"/>
-                </a:solidFill>
-                <a:latin typeface="+mn-lt"/>
-                <a:ea typeface="+mn-ea"/>
-                <a:cs typeface="+mn-cs"/>
-              </a:defRPr>
-            </a:lvl5pPr>
-            <a:lvl6pPr marL="2514600" indent="-228600" algn="l" defTabSz="914400" rtl="0" eaLnBrk="1" latinLnBrk="1" hangingPunct="1">
-              <a:lnSpc>
-                <a:spcPct val="90000"/>
-              </a:lnSpc>
-              <a:spcBef>
-                <a:spcPts val="500"/>
-              </a:spcBef>
-              <a:buFont typeface="Arial" panose="020B0604020202020204" pitchFamily="34" charset="0"/>
-              <a:buChar char="•"/>
-              <a:defRPr sz="1800" kern="1200">
-                <a:solidFill>
-                  <a:schemeClr val="tx1"/>
-                </a:solidFill>
-                <a:latin typeface="+mn-lt"/>
-                <a:ea typeface="+mn-ea"/>
-                <a:cs typeface="+mn-cs"/>
-              </a:defRPr>
-            </a:lvl6pPr>
-            <a:lvl7pPr marL="2971800" indent="-228600" algn="l" defTabSz="914400" rtl="0" eaLnBrk="1" latinLnBrk="1" hangingPunct="1">
-              <a:lnSpc>
-                <a:spcPct val="90000"/>
-              </a:lnSpc>
-              <a:spcBef>
-                <a:spcPts val="500"/>
-              </a:spcBef>
-              <a:buFont typeface="Arial" panose="020B0604020202020204" pitchFamily="34" charset="0"/>
-              <a:buChar char="•"/>
-              <a:defRPr sz="1800" kern="1200">
-                <a:solidFill>
-                  <a:schemeClr val="tx1"/>
-                </a:solidFill>
-                <a:latin typeface="+mn-lt"/>
-                <a:ea typeface="+mn-ea"/>
-                <a:cs typeface="+mn-cs"/>
-              </a:defRPr>
-            </a:lvl7pPr>
-            <a:lvl8pPr marL="3429000" indent="-228600" algn="l" defTabSz="914400" rtl="0" eaLnBrk="1" latinLnBrk="1" hangingPunct="1">
-              <a:lnSpc>
-                <a:spcPct val="90000"/>
-              </a:lnSpc>
-              <a:spcBef>
-                <a:spcPts val="500"/>
-              </a:spcBef>
-              <a:buFont typeface="Arial" panose="020B0604020202020204" pitchFamily="34" charset="0"/>
-              <a:buChar char="•"/>
-              <a:defRPr sz="1800" kern="1200">
-                <a:solidFill>
-                  <a:schemeClr val="tx1"/>
-                </a:solidFill>
-                <a:latin typeface="+mn-lt"/>
-                <a:ea typeface="+mn-ea"/>
-                <a:cs typeface="+mn-cs"/>
-              </a:defRPr>
-            </a:lvl8pPr>
-            <a:lvl9pPr marL="3886200" indent="-228600" algn="l" defTabSz="914400" rtl="0" eaLnBrk="1" latinLnBrk="1" hangingPunct="1">
-              <a:lnSpc>
-                <a:spcPct val="90000"/>
-              </a:lnSpc>
-              <a:spcBef>
-                <a:spcPts val="500"/>
-              </a:spcBef>
-              <a:buFont typeface="Arial" panose="020B0604020202020204" pitchFamily="34" charset="0"/>
-              <a:buChar char="•"/>
-              <a:defRPr sz="1800" kern="1200">
-                <a:solidFill>
-                  <a:schemeClr val="tx1"/>
-                </a:solidFill>
-                <a:latin typeface="+mn-lt"/>
-                <a:ea typeface="+mn-ea"/>
-                <a:cs typeface="+mn-cs"/>
-              </a:defRPr>
-            </a:lvl9pPr>
-          </a:lstStyle>
-          <a:p>
-            <a:pPr>
-              <a:spcBef>
-                <a:spcPct val="0"/>
-              </a:spcBef>
-            </a:pPr>
-            <a:r>
-              <a:rPr lang="en-US" altLang="ko-KR" sz="1600" dirty="0">
-                <a:latin typeface="+mn-lt"/>
-              </a:rPr>
-              <a:t>LF will be replaced by CRLF</a:t>
-            </a:r>
-            <a:r>
-              <a:rPr lang="ko-KR" altLang="en-US" sz="1600" dirty="0">
-                <a:latin typeface="+mn-lt"/>
-              </a:rPr>
-              <a:t> </a:t>
-            </a:r>
-            <a:r>
-              <a:rPr lang="en-US" altLang="ko-KR" sz="1600" dirty="0">
-                <a:latin typeface="+mn-lt"/>
-              </a:rPr>
-              <a:t>warning</a:t>
-            </a:r>
-            <a:endParaRPr lang="ko-KR" altLang="en-US" sz="1600" dirty="0">
-              <a:latin typeface="+mn-lt"/>
-            </a:endParaRPr>
-          </a:p>
-          <a:p>
-            <a:pPr marL="609600" lvl="1" indent="-342900">
-              <a:spcBef>
-                <a:spcPts val="0"/>
-              </a:spcBef>
-              <a:spcAft>
-                <a:spcPts val="0"/>
-              </a:spcAft>
-              <a:buClr>
-                <a:schemeClr val="tx1">
-                  <a:lumMod val="50000"/>
-                  <a:lumOff val="50000"/>
-                </a:schemeClr>
-              </a:buClr>
-              <a:buAutoNum type="arabicPeriod"/>
-            </a:pPr>
-            <a:r>
-              <a:rPr lang="en-US" altLang="ko-KR" dirty="0">
-                <a:latin typeface="+mn-ea"/>
-              </a:rPr>
-              <a:t>git config --global </a:t>
-            </a:r>
-            <a:r>
-              <a:rPr lang="en-US" altLang="ko-KR" dirty="0" err="1">
-                <a:latin typeface="+mn-ea"/>
-              </a:rPr>
-              <a:t>core.autocrlf</a:t>
-            </a:r>
-            <a:r>
-              <a:rPr lang="en-US" altLang="ko-KR" dirty="0">
-                <a:latin typeface="+mn-ea"/>
-              </a:rPr>
-              <a:t> </a:t>
-            </a:r>
-            <a:r>
-              <a:rPr lang="ko-KR" altLang="en-US" dirty="0">
-                <a:latin typeface="+mn-ea"/>
-              </a:rPr>
-              <a:t> </a:t>
-            </a:r>
-            <a:r>
-              <a:rPr lang="en-US" altLang="ko-KR" dirty="0">
-                <a:latin typeface="+mn-ea"/>
-              </a:rPr>
-              <a:t>true' (git bash </a:t>
-            </a:r>
-            <a:r>
-              <a:rPr lang="ko-KR" altLang="en-US" dirty="0">
-                <a:latin typeface="+mn-ea"/>
-              </a:rPr>
-              <a:t>사용할 경우</a:t>
-            </a:r>
-            <a:r>
-              <a:rPr lang="en-US" altLang="ko-KR" dirty="0">
-                <a:latin typeface="+mn-ea"/>
-              </a:rPr>
-              <a:t>)</a:t>
-            </a:r>
-          </a:p>
-          <a:p>
-            <a:pPr marL="266700" lvl="1" indent="0">
-              <a:spcBef>
-                <a:spcPts val="0"/>
-              </a:spcBef>
-              <a:spcAft>
-                <a:spcPts val="0"/>
-              </a:spcAft>
-              <a:buClr>
-                <a:schemeClr val="tx1">
-                  <a:lumMod val="50000"/>
-                  <a:lumOff val="50000"/>
-                </a:schemeClr>
-              </a:buClr>
-              <a:buNone/>
-            </a:pPr>
-            <a:r>
-              <a:rPr lang="ko-KR" altLang="en-US" dirty="0">
-                <a:latin typeface="+mn-ea"/>
-              </a:rPr>
-              <a:t>     윈도우가 아닌 </a:t>
-            </a:r>
-            <a:r>
-              <a:rPr lang="en-US" altLang="ko-KR" dirty="0">
-                <a:latin typeface="+mn-ea"/>
-              </a:rPr>
-              <a:t>Linux</a:t>
-            </a:r>
-            <a:r>
-              <a:rPr lang="ko-KR" altLang="en-US" dirty="0">
-                <a:latin typeface="+mn-ea"/>
-              </a:rPr>
-              <a:t>등과 협업을 위해서는</a:t>
-            </a:r>
-            <a:endParaRPr lang="en-US" altLang="ko-KR" dirty="0">
-              <a:latin typeface="+mn-ea"/>
-            </a:endParaRPr>
-          </a:p>
-          <a:p>
-            <a:pPr marL="266700" lvl="1" indent="0">
-              <a:spcBef>
-                <a:spcPts val="0"/>
-              </a:spcBef>
-              <a:spcAft>
-                <a:spcPts val="0"/>
-              </a:spcAft>
-              <a:buClr>
-                <a:schemeClr val="tx1">
-                  <a:lumMod val="50000"/>
-                  <a:lumOff val="50000"/>
-                </a:schemeClr>
-              </a:buClr>
-              <a:buNone/>
-            </a:pPr>
-            <a:r>
-              <a:rPr lang="en-US" altLang="ko-KR" dirty="0">
-                <a:latin typeface="+mn-ea"/>
-              </a:rPr>
-              <a:t>                </a:t>
-            </a:r>
-            <a:r>
-              <a:rPr lang="ko-KR" altLang="en-US" dirty="0">
-                <a:latin typeface="+mn-ea"/>
-              </a:rPr>
-              <a:t> </a:t>
-            </a:r>
-            <a:r>
-              <a:rPr lang="en-US" altLang="ko-KR" dirty="0">
-                <a:latin typeface="+mn-ea"/>
-              </a:rPr>
-              <a:t>'git config --global </a:t>
-            </a:r>
-            <a:r>
-              <a:rPr lang="en-US" altLang="ko-KR" dirty="0" err="1">
-                <a:latin typeface="+mn-ea"/>
-              </a:rPr>
-              <a:t>core.autocrlf</a:t>
-            </a:r>
-            <a:r>
-              <a:rPr lang="en-US" altLang="ko-KR" dirty="0">
-                <a:latin typeface="+mn-ea"/>
-              </a:rPr>
-              <a:t> input’   for UNX machines</a:t>
-            </a:r>
-          </a:p>
-          <a:p>
-            <a:pPr marL="266700" lvl="1" indent="0">
-              <a:spcBef>
-                <a:spcPts val="0"/>
-              </a:spcBef>
-              <a:spcAft>
-                <a:spcPts val="0"/>
-              </a:spcAft>
-              <a:buClr>
-                <a:schemeClr val="tx1">
-                  <a:lumMod val="50000"/>
-                  <a:lumOff val="50000"/>
-                </a:schemeClr>
-              </a:buClr>
-              <a:buNone/>
-            </a:pPr>
-            <a:r>
-              <a:rPr lang="en-US" altLang="ko-KR" dirty="0">
-                <a:latin typeface="+mn-ea"/>
-              </a:rPr>
-              <a:t>                 'git config --global </a:t>
-            </a:r>
-            <a:r>
-              <a:rPr lang="en-US" altLang="ko-KR" dirty="0" err="1">
-                <a:latin typeface="+mn-ea"/>
-              </a:rPr>
-              <a:t>core.autocrlf</a:t>
-            </a:r>
-            <a:r>
-              <a:rPr lang="en-US" altLang="ko-KR" dirty="0">
-                <a:latin typeface="+mn-ea"/>
-              </a:rPr>
-              <a:t> true’    for Windows machines</a:t>
-            </a:r>
-          </a:p>
-          <a:p>
-            <a:pPr marL="609600" lvl="1" indent="-342900">
-              <a:spcBef>
-                <a:spcPts val="0"/>
-              </a:spcBef>
-              <a:spcAft>
-                <a:spcPts val="0"/>
-              </a:spcAft>
-              <a:buClr>
-                <a:schemeClr val="tx1">
-                  <a:lumMod val="50000"/>
-                  <a:lumOff val="50000"/>
-                </a:schemeClr>
-              </a:buClr>
-              <a:buAutoNum type="arabicPeriod"/>
-            </a:pPr>
-            <a:endParaRPr lang="en-US" altLang="ko-KR" dirty="0"/>
-          </a:p>
-        </p:txBody>
-      </p:sp>
-      <p:sp>
-        <p:nvSpPr>
-          <p:cNvPr id="3" name="슬라이드 번호 개체 틀 2">
+      </p:pic>
+      <p:pic>
+        <p:nvPicPr>
+          <p:cNvPr id="11" name="그림 10">
             <a:extLst>
               <a:ext uri="{FF2B5EF4-FFF2-40B4-BE49-F238E27FC236}">
-                <a16:creationId xmlns:a16="http://schemas.microsoft.com/office/drawing/2014/main" id="{C50CA565-6DBB-4F8B-91BC-5D5A444CDDAE}"/>
+                <a16:creationId xmlns:a16="http://schemas.microsoft.com/office/drawing/2014/main" id="{47F6D4F7-06A1-4B1C-94A6-83B1E5EDDF75}"/>
               </a:ext>
             </a:extLst>
           </p:cNvPr>
-          <p:cNvSpPr>
-            <a:spLocks noGrp="1"/>
-          </p:cNvSpPr>
-          <p:nvPr>
-            <p:ph type="sldNum" sz="quarter" idx="12"/>
-          </p:nvPr>
-        </p:nvSpPr>
-        <p:spPr/>
-        <p:txBody>
-          <a:bodyPr/>
-          <a:lstStyle/>
-          <a:p>
-            <a:fld id="{526ADF51-C4A2-4521-899C-87F34FDB9C0A}" type="slidenum">
-              <a:rPr lang="ko-KR" altLang="en-US" smtClean="0"/>
-              <a:pPr/>
-              <a:t>59</a:t>
-            </a:fld>
-            <a:endParaRPr lang="ko-KR" altLang="en-US" dirty="0"/>
-          </a:p>
-        </p:txBody>
-      </p:sp>
+          <p:cNvPicPr>
+            <a:picLocks noChangeAspect="1"/>
+          </p:cNvPicPr>
+          <p:nvPr/>
+        </p:nvPicPr>
+        <p:blipFill>
+          <a:blip r:embed="rId4"/>
+          <a:stretch>
+            <a:fillRect/>
+          </a:stretch>
+        </p:blipFill>
+        <p:spPr>
+          <a:xfrm>
+            <a:off x="5141748" y="3114705"/>
+            <a:ext cx="2488738" cy="1474341"/>
+          </a:xfrm>
+          <a:prstGeom prst="rect">
+            <a:avLst/>
+          </a:prstGeom>
+        </p:spPr>
+      </p:pic>
+      <p:pic>
+        <p:nvPicPr>
+          <p:cNvPr id="13" name="그림 12">
+            <a:extLst>
+              <a:ext uri="{FF2B5EF4-FFF2-40B4-BE49-F238E27FC236}">
+                <a16:creationId xmlns:a16="http://schemas.microsoft.com/office/drawing/2014/main" id="{B56ED0A4-6E9B-410F-B79C-14B17A311B4B}"/>
+              </a:ext>
+            </a:extLst>
+          </p:cNvPr>
+          <p:cNvPicPr>
+            <a:picLocks noChangeAspect="1"/>
+          </p:cNvPicPr>
+          <p:nvPr/>
+        </p:nvPicPr>
+        <p:blipFill>
+          <a:blip r:embed="rId5"/>
+          <a:stretch>
+            <a:fillRect/>
+          </a:stretch>
+        </p:blipFill>
+        <p:spPr>
+          <a:xfrm>
+            <a:off x="5160354" y="4836459"/>
+            <a:ext cx="2719311" cy="1187547"/>
+          </a:xfrm>
+          <a:prstGeom prst="rect">
+            <a:avLst/>
+          </a:prstGeom>
+        </p:spPr>
+      </p:pic>
     </p:spTree>
     <p:extLst>
       <p:ext uri="{BB962C8B-B14F-4D97-AF65-F5344CB8AC3E}">
-        <p14:creationId xmlns:p14="http://schemas.microsoft.com/office/powerpoint/2010/main" val="438430309"/>
+        <p14:creationId xmlns:p14="http://schemas.microsoft.com/office/powerpoint/2010/main" val="3709698916"/>
       </p:ext>
     </p:extLst>
   </p:cSld>
@@ -46122,15 +45632,7 @@
           <a:p>
             <a:r>
               <a:rPr lang="ko-KR" altLang="en-US" dirty="0"/>
-              <a:t>리눅스</a:t>
-            </a:r>
-            <a:r>
-              <a:rPr lang="en-US" altLang="ko-KR" dirty="0"/>
-              <a:t>, </a:t>
-            </a:r>
-            <a:r>
-              <a:rPr lang="ko-KR" altLang="en-US" dirty="0"/>
-              <a:t>윈도우 </a:t>
+              <a:t>기타 환경 설정</a:t>
             </a:r>
           </a:p>
         </p:txBody>
@@ -46172,6 +45674,1137 @@
               <a:rPr lang="en-US" altLang="ko-KR" sz="1600" dirty="0">
                 <a:latin typeface="+mn-lt"/>
               </a:rPr>
+              <a:t>Bash </a:t>
+            </a:r>
+            <a:r>
+              <a:rPr lang="ko-KR" altLang="en-US" sz="1600" dirty="0">
+                <a:latin typeface="+mn-lt"/>
+              </a:rPr>
+              <a:t>한글 깨지는 문제 </a:t>
+            </a:r>
+            <a:r>
+              <a:rPr lang="en-US" altLang="ko-KR" sz="1600" dirty="0">
+                <a:latin typeface="+mn-lt"/>
+              </a:rPr>
+              <a:t>(</a:t>
+            </a:r>
+            <a:r>
+              <a:rPr lang="ko-KR" altLang="en-US" sz="1600" dirty="0">
+                <a:latin typeface="+mn-lt"/>
+              </a:rPr>
+              <a:t>파일명 깨지는 문제</a:t>
+            </a:r>
+            <a:r>
+              <a:rPr lang="en-US" altLang="ko-KR" sz="1600" dirty="0">
+                <a:latin typeface="+mn-lt"/>
+              </a:rPr>
+              <a:t>)</a:t>
+            </a:r>
+            <a:endParaRPr lang="ko-KR" altLang="en-US" sz="1600" dirty="0">
+              <a:latin typeface="+mn-lt"/>
+            </a:endParaRPr>
+          </a:p>
+          <a:p>
+            <a:pPr marL="266700" lvl="1" indent="0">
+              <a:spcBef>
+                <a:spcPts val="0"/>
+              </a:spcBef>
+              <a:spcAft>
+                <a:spcPts val="0"/>
+              </a:spcAft>
+              <a:buClr>
+                <a:schemeClr val="tx1">
+                  <a:lumMod val="50000"/>
+                  <a:lumOff val="50000"/>
+                </a:schemeClr>
+              </a:buClr>
+              <a:buNone/>
+            </a:pPr>
+            <a:r>
+              <a:rPr lang="en-US" altLang="ko-KR" dirty="0">
+                <a:latin typeface="+mn-ea"/>
+              </a:rPr>
+              <a:t>1. git config --global  </a:t>
+            </a:r>
+            <a:r>
+              <a:rPr lang="en-US" altLang="ko-KR" dirty="0" err="1">
+                <a:latin typeface="+mn-ea"/>
+              </a:rPr>
+              <a:t>core.quotepath</a:t>
+            </a:r>
+            <a:r>
+              <a:rPr lang="en-US" altLang="ko-KR" dirty="0">
+                <a:latin typeface="+mn-ea"/>
+              </a:rPr>
+              <a:t> false (git bash </a:t>
+            </a:r>
+            <a:r>
+              <a:rPr lang="ko-KR" altLang="en-US" dirty="0">
+                <a:latin typeface="+mn-ea"/>
+              </a:rPr>
+              <a:t>창에서 꼭 실행</a:t>
+            </a:r>
+            <a:r>
+              <a:rPr lang="en-US" altLang="ko-KR" dirty="0">
+                <a:latin typeface="+mn-ea"/>
+              </a:rPr>
+              <a:t>)</a:t>
+            </a:r>
+          </a:p>
+          <a:p>
+            <a:pPr marL="266700" lvl="1" indent="0">
+              <a:spcBef>
+                <a:spcPts val="0"/>
+              </a:spcBef>
+              <a:spcAft>
+                <a:spcPts val="0"/>
+              </a:spcAft>
+              <a:buClr>
+                <a:schemeClr val="tx1">
+                  <a:lumMod val="50000"/>
+                  <a:lumOff val="50000"/>
+                </a:schemeClr>
+              </a:buClr>
+              <a:buNone/>
+            </a:pPr>
+            <a:r>
+              <a:rPr lang="en-US" altLang="ko-KR" dirty="0">
+                <a:latin typeface="+mn-ea"/>
+              </a:rPr>
+              <a:t>    c:/Users/user/gitconfig </a:t>
+            </a:r>
+            <a:r>
+              <a:rPr lang="ko-KR" altLang="en-US" dirty="0">
+                <a:latin typeface="+mn-ea"/>
+              </a:rPr>
+              <a:t>에서 </a:t>
+            </a:r>
+            <a:r>
+              <a:rPr lang="en-US" altLang="ko-KR" dirty="0">
+                <a:latin typeface="+mn-ea"/>
+              </a:rPr>
+              <a:t>[core] --&gt; </a:t>
+            </a:r>
+            <a:r>
+              <a:rPr lang="en-US" altLang="ko-KR" dirty="0" err="1">
+                <a:latin typeface="+mn-ea"/>
+              </a:rPr>
+              <a:t>quotepath</a:t>
+            </a:r>
+            <a:r>
+              <a:rPr lang="en-US" altLang="ko-KR" dirty="0">
+                <a:latin typeface="+mn-ea"/>
+              </a:rPr>
+              <a:t> = false </a:t>
+            </a:r>
+            <a:r>
+              <a:rPr lang="ko-KR" altLang="en-US" dirty="0">
+                <a:latin typeface="+mn-ea"/>
+              </a:rPr>
+              <a:t>확인</a:t>
+            </a:r>
+            <a:endParaRPr lang="en-US" altLang="ko-KR" dirty="0">
+              <a:latin typeface="+mn-ea"/>
+            </a:endParaRPr>
+          </a:p>
+          <a:p>
+            <a:pPr marL="266700" lvl="1" indent="0">
+              <a:spcBef>
+                <a:spcPts val="0"/>
+              </a:spcBef>
+              <a:spcAft>
+                <a:spcPts val="0"/>
+              </a:spcAft>
+              <a:buClr>
+                <a:schemeClr val="tx1">
+                  <a:lumMod val="50000"/>
+                  <a:lumOff val="50000"/>
+                </a:schemeClr>
+              </a:buClr>
+              <a:buNone/>
+            </a:pPr>
+            <a:r>
+              <a:rPr lang="en-US" altLang="ko-KR" dirty="0">
+                <a:latin typeface="+mn-ea"/>
+              </a:rPr>
+              <a:t> 2. bash </a:t>
+            </a:r>
+            <a:r>
+              <a:rPr lang="ko-KR" altLang="en-US" dirty="0">
+                <a:latin typeface="+mn-ea"/>
+              </a:rPr>
+              <a:t>창에서 </a:t>
+            </a:r>
+            <a:endParaRPr lang="en-US" altLang="ko-KR" dirty="0">
+              <a:latin typeface="+mn-ea"/>
+            </a:endParaRPr>
+          </a:p>
+          <a:p>
+            <a:pPr marL="266700" lvl="1" indent="0">
+              <a:spcBef>
+                <a:spcPts val="0"/>
+              </a:spcBef>
+              <a:spcAft>
+                <a:spcPts val="0"/>
+              </a:spcAft>
+              <a:buClr>
+                <a:schemeClr val="tx1">
+                  <a:lumMod val="50000"/>
+                  <a:lumOff val="50000"/>
+                </a:schemeClr>
+              </a:buClr>
+              <a:buNone/>
+            </a:pPr>
+            <a:r>
+              <a:rPr lang="en-US" altLang="ko-KR" dirty="0">
+                <a:latin typeface="+mn-ea"/>
+              </a:rPr>
+              <a:t>     options → Text → Locale</a:t>
+            </a:r>
+            <a:r>
+              <a:rPr lang="ko-KR" altLang="en-US" dirty="0">
+                <a:latin typeface="+mn-ea"/>
+              </a:rPr>
+              <a:t>항목에서 </a:t>
+            </a:r>
+            <a:r>
+              <a:rPr lang="en-US" altLang="ko-KR" dirty="0" err="1">
+                <a:latin typeface="+mn-ea"/>
+              </a:rPr>
+              <a:t>ko_KR</a:t>
+            </a:r>
+            <a:r>
+              <a:rPr lang="ko-KR" altLang="en-US" dirty="0">
+                <a:latin typeface="+mn-ea"/>
+              </a:rPr>
+              <a:t>선택</a:t>
+            </a:r>
+            <a:r>
+              <a:rPr lang="en-US" altLang="ko-KR" dirty="0">
+                <a:latin typeface="+mn-ea"/>
+              </a:rPr>
+              <a:t>,  Character set</a:t>
+            </a:r>
+            <a:r>
+              <a:rPr lang="ko-KR" altLang="en-US" dirty="0">
+                <a:latin typeface="+mn-ea"/>
+              </a:rPr>
+              <a:t>에서 </a:t>
+            </a:r>
+            <a:r>
+              <a:rPr lang="en-US" altLang="ko-KR" dirty="0">
+                <a:latin typeface="+mn-ea"/>
+              </a:rPr>
+              <a:t>UTF-8 </a:t>
+            </a:r>
+            <a:r>
+              <a:rPr lang="ko-KR" altLang="en-US" dirty="0">
+                <a:latin typeface="+mn-ea"/>
+              </a:rPr>
+              <a:t>선택</a:t>
+            </a:r>
+            <a:r>
+              <a:rPr lang="en-US" altLang="ko-KR" dirty="0">
+                <a:latin typeface="+mn-ea"/>
+              </a:rPr>
+              <a:t> → </a:t>
+            </a:r>
+            <a:r>
+              <a:rPr lang="ko-KR" altLang="en-US" dirty="0">
+                <a:latin typeface="+mn-ea"/>
+              </a:rPr>
+              <a:t>저장</a:t>
+            </a:r>
+            <a:endParaRPr lang="en-US" altLang="ko-KR" dirty="0">
+              <a:latin typeface="+mn-ea"/>
+            </a:endParaRPr>
+          </a:p>
+        </p:txBody>
+      </p:sp>
+      <p:sp>
+        <p:nvSpPr>
+          <p:cNvPr id="8" name="내용 개체 틀 4">
+            <a:extLst>
+              <a:ext uri="{FF2B5EF4-FFF2-40B4-BE49-F238E27FC236}">
+                <a16:creationId xmlns:a16="http://schemas.microsoft.com/office/drawing/2014/main" id="{61D0A99B-0950-4539-9272-9FB236971F12}"/>
+              </a:ext>
+            </a:extLst>
+          </p:cNvPr>
+          <p:cNvSpPr txBox="1">
+            <a:spLocks/>
+          </p:cNvSpPr>
+          <p:nvPr/>
+        </p:nvSpPr>
+        <p:spPr>
+          <a:xfrm>
+            <a:off x="250825" y="2881434"/>
+            <a:ext cx="8641655" cy="850605"/>
+          </a:xfrm>
+          <a:prstGeom prst="rect">
+            <a:avLst/>
+          </a:prstGeom>
+        </p:spPr>
+        <p:txBody>
+          <a:bodyPr vert="horz" lIns="91440" tIns="45720" rIns="91440" bIns="45720" rtlCol="0">
+            <a:noAutofit/>
+          </a:bodyPr>
+          <a:lstStyle>
+            <a:lvl1pPr marL="266700" indent="-266700" algn="l" defTabSz="914400" rtl="0" eaLnBrk="1" latinLnBrk="1" hangingPunct="1">
+              <a:lnSpc>
+                <a:spcPct val="150000"/>
+              </a:lnSpc>
+              <a:spcBef>
+                <a:spcPts val="0"/>
+              </a:spcBef>
+              <a:buClr>
+                <a:schemeClr val="tx1">
+                  <a:lumMod val="65000"/>
+                  <a:lumOff val="35000"/>
+                </a:schemeClr>
+              </a:buClr>
+              <a:buFont typeface="Wingdings" pitchFamily="2" charset="2"/>
+              <a:buChar char="n"/>
+              <a:defRPr sz="2000" b="1" kern="1200">
+                <a:solidFill>
+                  <a:schemeClr val="tx1"/>
+                </a:solidFill>
+                <a:latin typeface="+mn-ea"/>
+                <a:ea typeface="+mn-ea"/>
+                <a:cs typeface="+mn-cs"/>
+              </a:defRPr>
+            </a:lvl1pPr>
+            <a:lvl2pPr marL="447675" indent="-180975" algn="l" defTabSz="914400" rtl="0" eaLnBrk="1" latinLnBrk="1" hangingPunct="1">
+              <a:lnSpc>
+                <a:spcPct val="150000"/>
+              </a:lnSpc>
+              <a:spcBef>
+                <a:spcPts val="500"/>
+              </a:spcBef>
+              <a:spcAft>
+                <a:spcPts val="400"/>
+              </a:spcAft>
+              <a:buClr>
+                <a:schemeClr val="tx1">
+                  <a:lumMod val="65000"/>
+                  <a:lumOff val="35000"/>
+                </a:schemeClr>
+              </a:buClr>
+              <a:buFont typeface="Wingdings" pitchFamily="2" charset="2"/>
+              <a:buChar char="§"/>
+              <a:defRPr sz="1600" kern="1200">
+                <a:solidFill>
+                  <a:schemeClr val="tx1"/>
+                </a:solidFill>
+                <a:latin typeface="+mn-lt"/>
+                <a:ea typeface="+mn-ea"/>
+                <a:cs typeface="+mn-cs"/>
+              </a:defRPr>
+            </a:lvl2pPr>
+            <a:lvl3pPr marL="628650" indent="-180975" algn="l" defTabSz="914400" rtl="0" eaLnBrk="1" latinLnBrk="1" hangingPunct="1">
+              <a:lnSpc>
+                <a:spcPct val="150000"/>
+              </a:lnSpc>
+              <a:spcBef>
+                <a:spcPts val="500"/>
+              </a:spcBef>
+              <a:spcAft>
+                <a:spcPts val="300"/>
+              </a:spcAft>
+              <a:buClr>
+                <a:schemeClr val="tx1">
+                  <a:lumMod val="65000"/>
+                  <a:lumOff val="35000"/>
+                </a:schemeClr>
+              </a:buClr>
+              <a:buFont typeface="Arial" panose="020B0604020202020204" pitchFamily="34" charset="0"/>
+              <a:buChar char="•"/>
+              <a:defRPr sz="1400" kern="1200">
+                <a:solidFill>
+                  <a:schemeClr val="tx1"/>
+                </a:solidFill>
+                <a:latin typeface="+mn-lt"/>
+                <a:ea typeface="+mn-ea"/>
+                <a:cs typeface="+mn-cs"/>
+              </a:defRPr>
+            </a:lvl3pPr>
+            <a:lvl4pPr marL="809625" indent="-180975" algn="l" defTabSz="914400" rtl="0" eaLnBrk="1" latinLnBrk="1" hangingPunct="1">
+              <a:lnSpc>
+                <a:spcPct val="150000"/>
+              </a:lnSpc>
+              <a:spcBef>
+                <a:spcPts val="500"/>
+              </a:spcBef>
+              <a:spcAft>
+                <a:spcPts val="300"/>
+              </a:spcAft>
+              <a:buClr>
+                <a:schemeClr val="tx1">
+                  <a:lumMod val="65000"/>
+                  <a:lumOff val="35000"/>
+                </a:schemeClr>
+              </a:buClr>
+              <a:buSzPct val="96000"/>
+              <a:buFont typeface="Arial" panose="020B0604020202020204" pitchFamily="34" charset="0"/>
+              <a:buChar char="•"/>
+              <a:defRPr sz="1200" kern="1200">
+                <a:solidFill>
+                  <a:schemeClr val="tx1"/>
+                </a:solidFill>
+                <a:latin typeface="+mn-lt"/>
+                <a:ea typeface="+mn-ea"/>
+                <a:cs typeface="+mn-cs"/>
+              </a:defRPr>
+            </a:lvl4pPr>
+            <a:lvl5pPr marL="990600" indent="-180975" algn="l" defTabSz="914400" rtl="0" eaLnBrk="1" latinLnBrk="1" hangingPunct="1">
+              <a:lnSpc>
+                <a:spcPct val="150000"/>
+              </a:lnSpc>
+              <a:spcBef>
+                <a:spcPts val="500"/>
+              </a:spcBef>
+              <a:buClr>
+                <a:schemeClr val="tx1">
+                  <a:lumMod val="65000"/>
+                  <a:lumOff val="35000"/>
+                </a:schemeClr>
+              </a:buClr>
+              <a:buFont typeface="Arial" panose="020B0604020202020204" pitchFamily="34" charset="0"/>
+              <a:buChar char="•"/>
+              <a:defRPr sz="1000" kern="1200">
+                <a:solidFill>
+                  <a:schemeClr val="tx1"/>
+                </a:solidFill>
+                <a:latin typeface="+mn-lt"/>
+                <a:ea typeface="+mn-ea"/>
+                <a:cs typeface="+mn-cs"/>
+              </a:defRPr>
+            </a:lvl5pPr>
+            <a:lvl6pPr marL="2514600" indent="-228600" algn="l" defTabSz="914400" rtl="0" eaLnBrk="1" latinLnBrk="1" hangingPunct="1">
+              <a:lnSpc>
+                <a:spcPct val="90000"/>
+              </a:lnSpc>
+              <a:spcBef>
+                <a:spcPts val="500"/>
+              </a:spcBef>
+              <a:buFont typeface="Arial" panose="020B0604020202020204" pitchFamily="34" charset="0"/>
+              <a:buChar char="•"/>
+              <a:defRPr sz="1800" kern="1200">
+                <a:solidFill>
+                  <a:schemeClr val="tx1"/>
+                </a:solidFill>
+                <a:latin typeface="+mn-lt"/>
+                <a:ea typeface="+mn-ea"/>
+                <a:cs typeface="+mn-cs"/>
+              </a:defRPr>
+            </a:lvl6pPr>
+            <a:lvl7pPr marL="2971800" indent="-228600" algn="l" defTabSz="914400" rtl="0" eaLnBrk="1" latinLnBrk="1" hangingPunct="1">
+              <a:lnSpc>
+                <a:spcPct val="90000"/>
+              </a:lnSpc>
+              <a:spcBef>
+                <a:spcPts val="500"/>
+              </a:spcBef>
+              <a:buFont typeface="Arial" panose="020B0604020202020204" pitchFamily="34" charset="0"/>
+              <a:buChar char="•"/>
+              <a:defRPr sz="1800" kern="1200">
+                <a:solidFill>
+                  <a:schemeClr val="tx1"/>
+                </a:solidFill>
+                <a:latin typeface="+mn-lt"/>
+                <a:ea typeface="+mn-ea"/>
+                <a:cs typeface="+mn-cs"/>
+              </a:defRPr>
+            </a:lvl7pPr>
+            <a:lvl8pPr marL="3429000" indent="-228600" algn="l" defTabSz="914400" rtl="0" eaLnBrk="1" latinLnBrk="1" hangingPunct="1">
+              <a:lnSpc>
+                <a:spcPct val="90000"/>
+              </a:lnSpc>
+              <a:spcBef>
+                <a:spcPts val="500"/>
+              </a:spcBef>
+              <a:buFont typeface="Arial" panose="020B0604020202020204" pitchFamily="34" charset="0"/>
+              <a:buChar char="•"/>
+              <a:defRPr sz="1800" kern="1200">
+                <a:solidFill>
+                  <a:schemeClr val="tx1"/>
+                </a:solidFill>
+                <a:latin typeface="+mn-lt"/>
+                <a:ea typeface="+mn-ea"/>
+                <a:cs typeface="+mn-cs"/>
+              </a:defRPr>
+            </a:lvl8pPr>
+            <a:lvl9pPr marL="3886200" indent="-228600" algn="l" defTabSz="914400" rtl="0" eaLnBrk="1" latinLnBrk="1" hangingPunct="1">
+              <a:lnSpc>
+                <a:spcPct val="90000"/>
+              </a:lnSpc>
+              <a:spcBef>
+                <a:spcPts val="500"/>
+              </a:spcBef>
+              <a:buFont typeface="Arial" panose="020B0604020202020204" pitchFamily="34" charset="0"/>
+              <a:buChar char="•"/>
+              <a:defRPr sz="1800" kern="1200">
+                <a:solidFill>
+                  <a:schemeClr val="tx1"/>
+                </a:solidFill>
+                <a:latin typeface="+mn-lt"/>
+                <a:ea typeface="+mn-ea"/>
+                <a:cs typeface="+mn-cs"/>
+              </a:defRPr>
+            </a:lvl9pPr>
+          </a:lstStyle>
+          <a:p>
+            <a:pPr>
+              <a:spcBef>
+                <a:spcPct val="0"/>
+              </a:spcBef>
+            </a:pPr>
+            <a:r>
+              <a:rPr lang="en-US" altLang="ko-KR" sz="1600" dirty="0">
+                <a:latin typeface="+mn-lt"/>
+              </a:rPr>
+              <a:t>Editor </a:t>
+            </a:r>
+            <a:r>
+              <a:rPr lang="ko-KR" altLang="en-US" sz="1600" dirty="0">
+                <a:latin typeface="+mn-lt"/>
+              </a:rPr>
+              <a:t>변경할 경우</a:t>
+            </a:r>
+          </a:p>
+          <a:p>
+            <a:pPr marL="266700" lvl="1" indent="0">
+              <a:spcBef>
+                <a:spcPts val="0"/>
+              </a:spcBef>
+              <a:spcAft>
+                <a:spcPts val="0"/>
+              </a:spcAft>
+              <a:buClr>
+                <a:schemeClr val="tx1">
+                  <a:lumMod val="50000"/>
+                  <a:lumOff val="50000"/>
+                </a:schemeClr>
+              </a:buClr>
+              <a:buNone/>
+            </a:pPr>
+            <a:r>
+              <a:rPr lang="en-US" altLang="ko-KR" dirty="0">
+                <a:latin typeface="+mn-ea"/>
+              </a:rPr>
+              <a:t>1. git config --global  </a:t>
+            </a:r>
+            <a:r>
+              <a:rPr lang="en-US" altLang="ko-KR" dirty="0" err="1">
+                <a:latin typeface="+mn-ea"/>
+              </a:rPr>
+              <a:t>core.editor</a:t>
+            </a:r>
+            <a:r>
+              <a:rPr lang="ko-KR" altLang="en-US" dirty="0">
+                <a:latin typeface="+mn-ea"/>
+              </a:rPr>
+              <a:t> </a:t>
+            </a:r>
+            <a:r>
+              <a:rPr lang="en-US" altLang="ko-KR" dirty="0">
+                <a:latin typeface="+mn-ea"/>
+              </a:rPr>
+              <a:t>“vim”</a:t>
+            </a:r>
+          </a:p>
+        </p:txBody>
+      </p:sp>
+      <p:sp>
+        <p:nvSpPr>
+          <p:cNvPr id="9" name="내용 개체 틀 4">
+            <a:extLst>
+              <a:ext uri="{FF2B5EF4-FFF2-40B4-BE49-F238E27FC236}">
+                <a16:creationId xmlns:a16="http://schemas.microsoft.com/office/drawing/2014/main" id="{6949066E-984C-4F4F-A0B2-2AC599011B5C}"/>
+              </a:ext>
+            </a:extLst>
+          </p:cNvPr>
+          <p:cNvSpPr txBox="1">
+            <a:spLocks/>
+          </p:cNvSpPr>
+          <p:nvPr/>
+        </p:nvSpPr>
+        <p:spPr>
+          <a:xfrm>
+            <a:off x="250825" y="3732038"/>
+            <a:ext cx="8641655" cy="1982961"/>
+          </a:xfrm>
+          <a:prstGeom prst="rect">
+            <a:avLst/>
+          </a:prstGeom>
+        </p:spPr>
+        <p:txBody>
+          <a:bodyPr vert="horz" lIns="91440" tIns="45720" rIns="91440" bIns="45720" rtlCol="0">
+            <a:noAutofit/>
+          </a:bodyPr>
+          <a:lstStyle>
+            <a:lvl1pPr marL="266700" indent="-266700" algn="l" defTabSz="914400" rtl="0" eaLnBrk="1" latinLnBrk="1" hangingPunct="1">
+              <a:lnSpc>
+                <a:spcPct val="150000"/>
+              </a:lnSpc>
+              <a:spcBef>
+                <a:spcPts val="0"/>
+              </a:spcBef>
+              <a:buClr>
+                <a:schemeClr val="tx1">
+                  <a:lumMod val="65000"/>
+                  <a:lumOff val="35000"/>
+                </a:schemeClr>
+              </a:buClr>
+              <a:buFont typeface="Wingdings" pitchFamily="2" charset="2"/>
+              <a:buChar char="n"/>
+              <a:defRPr sz="2000" b="1" kern="1200">
+                <a:solidFill>
+                  <a:schemeClr val="tx1"/>
+                </a:solidFill>
+                <a:latin typeface="+mn-ea"/>
+                <a:ea typeface="+mn-ea"/>
+                <a:cs typeface="+mn-cs"/>
+              </a:defRPr>
+            </a:lvl1pPr>
+            <a:lvl2pPr marL="447675" indent="-180975" algn="l" defTabSz="914400" rtl="0" eaLnBrk="1" latinLnBrk="1" hangingPunct="1">
+              <a:lnSpc>
+                <a:spcPct val="150000"/>
+              </a:lnSpc>
+              <a:spcBef>
+                <a:spcPts val="500"/>
+              </a:spcBef>
+              <a:spcAft>
+                <a:spcPts val="400"/>
+              </a:spcAft>
+              <a:buClr>
+                <a:schemeClr val="tx1">
+                  <a:lumMod val="65000"/>
+                  <a:lumOff val="35000"/>
+                </a:schemeClr>
+              </a:buClr>
+              <a:buFont typeface="Wingdings" pitchFamily="2" charset="2"/>
+              <a:buChar char="§"/>
+              <a:defRPr sz="1600" kern="1200">
+                <a:solidFill>
+                  <a:schemeClr val="tx1"/>
+                </a:solidFill>
+                <a:latin typeface="+mn-lt"/>
+                <a:ea typeface="+mn-ea"/>
+                <a:cs typeface="+mn-cs"/>
+              </a:defRPr>
+            </a:lvl2pPr>
+            <a:lvl3pPr marL="628650" indent="-180975" algn="l" defTabSz="914400" rtl="0" eaLnBrk="1" latinLnBrk="1" hangingPunct="1">
+              <a:lnSpc>
+                <a:spcPct val="150000"/>
+              </a:lnSpc>
+              <a:spcBef>
+                <a:spcPts val="500"/>
+              </a:spcBef>
+              <a:spcAft>
+                <a:spcPts val="300"/>
+              </a:spcAft>
+              <a:buClr>
+                <a:schemeClr val="tx1">
+                  <a:lumMod val="65000"/>
+                  <a:lumOff val="35000"/>
+                </a:schemeClr>
+              </a:buClr>
+              <a:buFont typeface="Arial" panose="020B0604020202020204" pitchFamily="34" charset="0"/>
+              <a:buChar char="•"/>
+              <a:defRPr sz="1400" kern="1200">
+                <a:solidFill>
+                  <a:schemeClr val="tx1"/>
+                </a:solidFill>
+                <a:latin typeface="+mn-lt"/>
+                <a:ea typeface="+mn-ea"/>
+                <a:cs typeface="+mn-cs"/>
+              </a:defRPr>
+            </a:lvl3pPr>
+            <a:lvl4pPr marL="809625" indent="-180975" algn="l" defTabSz="914400" rtl="0" eaLnBrk="1" latinLnBrk="1" hangingPunct="1">
+              <a:lnSpc>
+                <a:spcPct val="150000"/>
+              </a:lnSpc>
+              <a:spcBef>
+                <a:spcPts val="500"/>
+              </a:spcBef>
+              <a:spcAft>
+                <a:spcPts val="300"/>
+              </a:spcAft>
+              <a:buClr>
+                <a:schemeClr val="tx1">
+                  <a:lumMod val="65000"/>
+                  <a:lumOff val="35000"/>
+                </a:schemeClr>
+              </a:buClr>
+              <a:buSzPct val="96000"/>
+              <a:buFont typeface="Arial" panose="020B0604020202020204" pitchFamily="34" charset="0"/>
+              <a:buChar char="•"/>
+              <a:defRPr sz="1200" kern="1200">
+                <a:solidFill>
+                  <a:schemeClr val="tx1"/>
+                </a:solidFill>
+                <a:latin typeface="+mn-lt"/>
+                <a:ea typeface="+mn-ea"/>
+                <a:cs typeface="+mn-cs"/>
+              </a:defRPr>
+            </a:lvl4pPr>
+            <a:lvl5pPr marL="990600" indent="-180975" algn="l" defTabSz="914400" rtl="0" eaLnBrk="1" latinLnBrk="1" hangingPunct="1">
+              <a:lnSpc>
+                <a:spcPct val="150000"/>
+              </a:lnSpc>
+              <a:spcBef>
+                <a:spcPts val="500"/>
+              </a:spcBef>
+              <a:buClr>
+                <a:schemeClr val="tx1">
+                  <a:lumMod val="65000"/>
+                  <a:lumOff val="35000"/>
+                </a:schemeClr>
+              </a:buClr>
+              <a:buFont typeface="Arial" panose="020B0604020202020204" pitchFamily="34" charset="0"/>
+              <a:buChar char="•"/>
+              <a:defRPr sz="1000" kern="1200">
+                <a:solidFill>
+                  <a:schemeClr val="tx1"/>
+                </a:solidFill>
+                <a:latin typeface="+mn-lt"/>
+                <a:ea typeface="+mn-ea"/>
+                <a:cs typeface="+mn-cs"/>
+              </a:defRPr>
+            </a:lvl5pPr>
+            <a:lvl6pPr marL="2514600" indent="-228600" algn="l" defTabSz="914400" rtl="0" eaLnBrk="1" latinLnBrk="1" hangingPunct="1">
+              <a:lnSpc>
+                <a:spcPct val="90000"/>
+              </a:lnSpc>
+              <a:spcBef>
+                <a:spcPts val="500"/>
+              </a:spcBef>
+              <a:buFont typeface="Arial" panose="020B0604020202020204" pitchFamily="34" charset="0"/>
+              <a:buChar char="•"/>
+              <a:defRPr sz="1800" kern="1200">
+                <a:solidFill>
+                  <a:schemeClr val="tx1"/>
+                </a:solidFill>
+                <a:latin typeface="+mn-lt"/>
+                <a:ea typeface="+mn-ea"/>
+                <a:cs typeface="+mn-cs"/>
+              </a:defRPr>
+            </a:lvl6pPr>
+            <a:lvl7pPr marL="2971800" indent="-228600" algn="l" defTabSz="914400" rtl="0" eaLnBrk="1" latinLnBrk="1" hangingPunct="1">
+              <a:lnSpc>
+                <a:spcPct val="90000"/>
+              </a:lnSpc>
+              <a:spcBef>
+                <a:spcPts val="500"/>
+              </a:spcBef>
+              <a:buFont typeface="Arial" panose="020B0604020202020204" pitchFamily="34" charset="0"/>
+              <a:buChar char="•"/>
+              <a:defRPr sz="1800" kern="1200">
+                <a:solidFill>
+                  <a:schemeClr val="tx1"/>
+                </a:solidFill>
+                <a:latin typeface="+mn-lt"/>
+                <a:ea typeface="+mn-ea"/>
+                <a:cs typeface="+mn-cs"/>
+              </a:defRPr>
+            </a:lvl7pPr>
+            <a:lvl8pPr marL="3429000" indent="-228600" algn="l" defTabSz="914400" rtl="0" eaLnBrk="1" latinLnBrk="1" hangingPunct="1">
+              <a:lnSpc>
+                <a:spcPct val="90000"/>
+              </a:lnSpc>
+              <a:spcBef>
+                <a:spcPts val="500"/>
+              </a:spcBef>
+              <a:buFont typeface="Arial" panose="020B0604020202020204" pitchFamily="34" charset="0"/>
+              <a:buChar char="•"/>
+              <a:defRPr sz="1800" kern="1200">
+                <a:solidFill>
+                  <a:schemeClr val="tx1"/>
+                </a:solidFill>
+                <a:latin typeface="+mn-lt"/>
+                <a:ea typeface="+mn-ea"/>
+                <a:cs typeface="+mn-cs"/>
+              </a:defRPr>
+            </a:lvl8pPr>
+            <a:lvl9pPr marL="3886200" indent="-228600" algn="l" defTabSz="914400" rtl="0" eaLnBrk="1" latinLnBrk="1" hangingPunct="1">
+              <a:lnSpc>
+                <a:spcPct val="90000"/>
+              </a:lnSpc>
+              <a:spcBef>
+                <a:spcPts val="500"/>
+              </a:spcBef>
+              <a:buFont typeface="Arial" panose="020B0604020202020204" pitchFamily="34" charset="0"/>
+              <a:buChar char="•"/>
+              <a:defRPr sz="1800" kern="1200">
+                <a:solidFill>
+                  <a:schemeClr val="tx1"/>
+                </a:solidFill>
+                <a:latin typeface="+mn-lt"/>
+                <a:ea typeface="+mn-ea"/>
+                <a:cs typeface="+mn-cs"/>
+              </a:defRPr>
+            </a:lvl9pPr>
+          </a:lstStyle>
+          <a:p>
+            <a:pPr>
+              <a:spcBef>
+                <a:spcPct val="0"/>
+              </a:spcBef>
+            </a:pPr>
+            <a:r>
+              <a:rPr lang="en-US" altLang="ko-KR" sz="1600" dirty="0">
+                <a:latin typeface="+mn-lt"/>
+              </a:rPr>
+              <a:t>LF will be replaced by CRLF</a:t>
+            </a:r>
+            <a:r>
+              <a:rPr lang="ko-KR" altLang="en-US" sz="1600" dirty="0">
+                <a:latin typeface="+mn-lt"/>
+              </a:rPr>
+              <a:t> </a:t>
+            </a:r>
+            <a:r>
+              <a:rPr lang="en-US" altLang="ko-KR" sz="1600" dirty="0">
+                <a:latin typeface="+mn-lt"/>
+              </a:rPr>
+              <a:t>warning</a:t>
+            </a:r>
+            <a:endParaRPr lang="ko-KR" altLang="en-US" sz="1600" dirty="0">
+              <a:latin typeface="+mn-lt"/>
+            </a:endParaRPr>
+          </a:p>
+          <a:p>
+            <a:pPr marL="609600" lvl="1" indent="-342900">
+              <a:spcBef>
+                <a:spcPts val="0"/>
+              </a:spcBef>
+              <a:spcAft>
+                <a:spcPts val="0"/>
+              </a:spcAft>
+              <a:buClr>
+                <a:schemeClr val="tx1">
+                  <a:lumMod val="50000"/>
+                  <a:lumOff val="50000"/>
+                </a:schemeClr>
+              </a:buClr>
+              <a:buAutoNum type="arabicPeriod"/>
+            </a:pPr>
+            <a:r>
+              <a:rPr lang="en-US" altLang="ko-KR" dirty="0">
+                <a:latin typeface="+mn-ea"/>
+              </a:rPr>
+              <a:t>git config --global </a:t>
+            </a:r>
+            <a:r>
+              <a:rPr lang="en-US" altLang="ko-KR" dirty="0" err="1">
+                <a:latin typeface="+mn-ea"/>
+              </a:rPr>
+              <a:t>core.autocrlf</a:t>
+            </a:r>
+            <a:r>
+              <a:rPr lang="en-US" altLang="ko-KR" dirty="0">
+                <a:latin typeface="+mn-ea"/>
+              </a:rPr>
+              <a:t> </a:t>
+            </a:r>
+            <a:r>
+              <a:rPr lang="ko-KR" altLang="en-US" dirty="0">
+                <a:latin typeface="+mn-ea"/>
+              </a:rPr>
+              <a:t> </a:t>
+            </a:r>
+            <a:r>
+              <a:rPr lang="en-US" altLang="ko-KR" dirty="0">
+                <a:latin typeface="+mn-ea"/>
+              </a:rPr>
+              <a:t>true' (git bash </a:t>
+            </a:r>
+            <a:r>
+              <a:rPr lang="ko-KR" altLang="en-US" dirty="0">
+                <a:latin typeface="+mn-ea"/>
+              </a:rPr>
+              <a:t>사용할 경우</a:t>
+            </a:r>
+            <a:r>
+              <a:rPr lang="en-US" altLang="ko-KR" dirty="0">
+                <a:latin typeface="+mn-ea"/>
+              </a:rPr>
+              <a:t>)</a:t>
+            </a:r>
+          </a:p>
+          <a:p>
+            <a:pPr marL="266700" lvl="1" indent="0">
+              <a:spcBef>
+                <a:spcPts val="0"/>
+              </a:spcBef>
+              <a:spcAft>
+                <a:spcPts val="0"/>
+              </a:spcAft>
+              <a:buClr>
+                <a:schemeClr val="tx1">
+                  <a:lumMod val="50000"/>
+                  <a:lumOff val="50000"/>
+                </a:schemeClr>
+              </a:buClr>
+              <a:buNone/>
+            </a:pPr>
+            <a:r>
+              <a:rPr lang="ko-KR" altLang="en-US" dirty="0">
+                <a:latin typeface="+mn-ea"/>
+              </a:rPr>
+              <a:t>     윈도우가 아닌 </a:t>
+            </a:r>
+            <a:r>
+              <a:rPr lang="en-US" altLang="ko-KR" dirty="0">
+                <a:latin typeface="+mn-ea"/>
+              </a:rPr>
+              <a:t>Linux</a:t>
+            </a:r>
+            <a:r>
+              <a:rPr lang="ko-KR" altLang="en-US" dirty="0">
+                <a:latin typeface="+mn-ea"/>
+              </a:rPr>
+              <a:t>등과 협업을 위해서는</a:t>
+            </a:r>
+            <a:endParaRPr lang="en-US" altLang="ko-KR" dirty="0">
+              <a:latin typeface="+mn-ea"/>
+            </a:endParaRPr>
+          </a:p>
+          <a:p>
+            <a:pPr marL="266700" lvl="1" indent="0">
+              <a:spcBef>
+                <a:spcPts val="0"/>
+              </a:spcBef>
+              <a:spcAft>
+                <a:spcPts val="0"/>
+              </a:spcAft>
+              <a:buClr>
+                <a:schemeClr val="tx1">
+                  <a:lumMod val="50000"/>
+                  <a:lumOff val="50000"/>
+                </a:schemeClr>
+              </a:buClr>
+              <a:buNone/>
+            </a:pPr>
+            <a:r>
+              <a:rPr lang="en-US" altLang="ko-KR" dirty="0">
+                <a:latin typeface="+mn-ea"/>
+              </a:rPr>
+              <a:t>                </a:t>
+            </a:r>
+            <a:r>
+              <a:rPr lang="ko-KR" altLang="en-US" dirty="0">
+                <a:latin typeface="+mn-ea"/>
+              </a:rPr>
+              <a:t> </a:t>
+            </a:r>
+            <a:r>
+              <a:rPr lang="en-US" altLang="ko-KR" dirty="0">
+                <a:latin typeface="+mn-ea"/>
+              </a:rPr>
+              <a:t>'git config --global </a:t>
+            </a:r>
+            <a:r>
+              <a:rPr lang="en-US" altLang="ko-KR" dirty="0" err="1">
+                <a:latin typeface="+mn-ea"/>
+              </a:rPr>
+              <a:t>core.autocrlf</a:t>
+            </a:r>
+            <a:r>
+              <a:rPr lang="en-US" altLang="ko-KR" dirty="0">
+                <a:latin typeface="+mn-ea"/>
+              </a:rPr>
+              <a:t> input’   for UNX machines</a:t>
+            </a:r>
+          </a:p>
+          <a:p>
+            <a:pPr marL="266700" lvl="1" indent="0">
+              <a:spcBef>
+                <a:spcPts val="0"/>
+              </a:spcBef>
+              <a:spcAft>
+                <a:spcPts val="0"/>
+              </a:spcAft>
+              <a:buClr>
+                <a:schemeClr val="tx1">
+                  <a:lumMod val="50000"/>
+                  <a:lumOff val="50000"/>
+                </a:schemeClr>
+              </a:buClr>
+              <a:buNone/>
+            </a:pPr>
+            <a:r>
+              <a:rPr lang="en-US" altLang="ko-KR" dirty="0">
+                <a:latin typeface="+mn-ea"/>
+              </a:rPr>
+              <a:t>                 'git config --global </a:t>
+            </a:r>
+            <a:r>
+              <a:rPr lang="en-US" altLang="ko-KR" dirty="0" err="1">
+                <a:latin typeface="+mn-ea"/>
+              </a:rPr>
+              <a:t>core.autocrlf</a:t>
+            </a:r>
+            <a:r>
+              <a:rPr lang="en-US" altLang="ko-KR" dirty="0">
+                <a:latin typeface="+mn-ea"/>
+              </a:rPr>
+              <a:t> true’    for Windows machines</a:t>
+            </a:r>
+          </a:p>
+          <a:p>
+            <a:pPr marL="609600" lvl="1" indent="-342900">
+              <a:spcBef>
+                <a:spcPts val="0"/>
+              </a:spcBef>
+              <a:spcAft>
+                <a:spcPts val="0"/>
+              </a:spcAft>
+              <a:buClr>
+                <a:schemeClr val="tx1">
+                  <a:lumMod val="50000"/>
+                  <a:lumOff val="50000"/>
+                </a:schemeClr>
+              </a:buClr>
+              <a:buAutoNum type="arabicPeriod"/>
+            </a:pPr>
+            <a:endParaRPr lang="en-US" altLang="ko-KR" dirty="0"/>
+          </a:p>
+        </p:txBody>
+      </p:sp>
+      <p:sp>
+        <p:nvSpPr>
+          <p:cNvPr id="3" name="슬라이드 번호 개체 틀 2">
+            <a:extLst>
+              <a:ext uri="{FF2B5EF4-FFF2-40B4-BE49-F238E27FC236}">
+                <a16:creationId xmlns:a16="http://schemas.microsoft.com/office/drawing/2014/main" id="{C50CA565-6DBB-4F8B-91BC-5D5A444CDDAE}"/>
+              </a:ext>
+            </a:extLst>
+          </p:cNvPr>
+          <p:cNvSpPr>
+            <a:spLocks noGrp="1"/>
+          </p:cNvSpPr>
+          <p:nvPr>
+            <p:ph type="sldNum" sz="quarter" idx="12"/>
+          </p:nvPr>
+        </p:nvSpPr>
+        <p:spPr/>
+        <p:txBody>
+          <a:bodyPr/>
+          <a:lstStyle/>
+          <a:p>
+            <a:fld id="{526ADF51-C4A2-4521-899C-87F34FDB9C0A}" type="slidenum">
+              <a:rPr lang="ko-KR" altLang="en-US" smtClean="0"/>
+              <a:pPr/>
+              <a:t>60</a:t>
+            </a:fld>
+            <a:endParaRPr lang="ko-KR" altLang="en-US" dirty="0"/>
+          </a:p>
+        </p:txBody>
+      </p:sp>
+    </p:spTree>
+    <p:extLst>
+      <p:ext uri="{BB962C8B-B14F-4D97-AF65-F5344CB8AC3E}">
+        <p14:creationId xmlns:p14="http://schemas.microsoft.com/office/powerpoint/2010/main" val="438430309"/>
+      </p:ext>
+    </p:extLst>
+  </p:cSld>
+  <p:clrMapOvr>
+    <a:masterClrMapping/>
+  </p:clrMapOvr>
+</p:sld>
+</file>
+
+<file path=ppt/slides/slide61.xml><?xml version="1.0" encoding="utf-8"?>
+<p:sld xmlns:a="http://schemas.openxmlformats.org/drawingml/2006/main" xmlns:r="http://schemas.openxmlformats.org/officeDocument/2006/relationships" xmlns:p="http://schemas.openxmlformats.org/presentationml/2006/main">
+  <p:cSld>
+    <p:spTree>
+      <p:nvGrpSpPr>
+        <p:cNvPr id="1" name=""/>
+        <p:cNvGrpSpPr/>
+        <p:nvPr/>
+      </p:nvGrpSpPr>
+      <p:grpSpPr>
+        <a:xfrm>
+          <a:off x="0" y="0"/>
+          <a:ext cx="0" cy="0"/>
+          <a:chOff x="0" y="0"/>
+          <a:chExt cx="0" cy="0"/>
+        </a:xfrm>
+      </p:grpSpPr>
+      <p:sp>
+        <p:nvSpPr>
+          <p:cNvPr id="4" name="제목 3">
+            <a:extLst>
+              <a:ext uri="{FF2B5EF4-FFF2-40B4-BE49-F238E27FC236}">
+                <a16:creationId xmlns:a16="http://schemas.microsoft.com/office/drawing/2014/main" id="{F0CEB32B-CB43-4410-BA08-A97E4BC47FCB}"/>
+              </a:ext>
+            </a:extLst>
+          </p:cNvPr>
+          <p:cNvSpPr>
+            <a:spLocks noGrp="1"/>
+          </p:cNvSpPr>
+          <p:nvPr>
+            <p:ph type="title"/>
+          </p:nvPr>
+        </p:nvSpPr>
+        <p:spPr/>
+        <p:txBody>
+          <a:bodyPr/>
+          <a:lstStyle/>
+          <a:p>
+            <a:r>
+              <a:rPr lang="ko-KR" altLang="en-US" dirty="0"/>
+              <a:t>리눅스</a:t>
+            </a:r>
+            <a:r>
+              <a:rPr lang="en-US" altLang="ko-KR" dirty="0"/>
+              <a:t>, </a:t>
+            </a:r>
+            <a:r>
+              <a:rPr lang="ko-KR" altLang="en-US" dirty="0"/>
+              <a:t>윈도우 </a:t>
+            </a:r>
+          </a:p>
+        </p:txBody>
+      </p:sp>
+      <p:sp>
+        <p:nvSpPr>
+          <p:cNvPr id="5" name="내용 개체 틀 4">
+            <a:extLst>
+              <a:ext uri="{FF2B5EF4-FFF2-40B4-BE49-F238E27FC236}">
+                <a16:creationId xmlns:a16="http://schemas.microsoft.com/office/drawing/2014/main" id="{FDF69C25-9F43-470B-8A20-AEDC0F371CCD}"/>
+              </a:ext>
+            </a:extLst>
+          </p:cNvPr>
+          <p:cNvSpPr>
+            <a:spLocks noGrp="1"/>
+          </p:cNvSpPr>
+          <p:nvPr>
+            <p:ph idx="1"/>
+          </p:nvPr>
+        </p:nvSpPr>
+        <p:spPr>
+          <a:xfrm>
+            <a:off x="250825" y="1000222"/>
+            <a:ext cx="8641655" cy="1881212"/>
+          </a:xfrm>
+        </p:spPr>
+        <p:txBody>
+          <a:bodyPr vert="horz" lIns="91440" tIns="45720" rIns="91440" bIns="45720" rtlCol="0">
+            <a:noAutofit/>
+          </a:bodyPr>
+          <a:lstStyle/>
+          <a:p>
+            <a:pPr>
+              <a:spcBef>
+                <a:spcPct val="0"/>
+              </a:spcBef>
+            </a:pPr>
+            <a:r>
+              <a:rPr lang="en-US" altLang="ko-KR" sz="1600" dirty="0">
+                <a:latin typeface="+mn-lt"/>
+              </a:rPr>
               <a:t>/ </a:t>
             </a:r>
             <a:r>
@@ -46251,9 +46884,418 @@
             <a:fld id="{526ADF51-C4A2-4521-899C-87F34FDB9C0A}" type="slidenum">
               <a:rPr lang="ko-KR" altLang="en-US" smtClean="0"/>
               <a:pPr/>
-              <a:t>60</a:t>
+              <a:t>61</a:t>
             </a:fld>
             <a:endParaRPr lang="ko-KR" altLang="en-US" dirty="0"/>
+          </a:p>
+        </p:txBody>
+      </p:sp>
+      <p:sp>
+        <p:nvSpPr>
+          <p:cNvPr id="6" name="내용 개체 틀 4">
+            <a:extLst>
+              <a:ext uri="{FF2B5EF4-FFF2-40B4-BE49-F238E27FC236}">
+                <a16:creationId xmlns:a16="http://schemas.microsoft.com/office/drawing/2014/main" id="{DEEAF6EA-3061-4066-BF4E-8028809A8CF2}"/>
+              </a:ext>
+            </a:extLst>
+          </p:cNvPr>
+          <p:cNvSpPr txBox="1">
+            <a:spLocks/>
+          </p:cNvSpPr>
+          <p:nvPr/>
+        </p:nvSpPr>
+        <p:spPr>
+          <a:xfrm>
+            <a:off x="250825" y="3035961"/>
+            <a:ext cx="8641655" cy="1881212"/>
+          </a:xfrm>
+          <a:prstGeom prst="rect">
+            <a:avLst/>
+          </a:prstGeom>
+        </p:spPr>
+        <p:txBody>
+          <a:bodyPr vert="horz" lIns="91440" tIns="45720" rIns="91440" bIns="45720" rtlCol="0">
+            <a:noAutofit/>
+          </a:bodyPr>
+          <a:lstStyle>
+            <a:lvl1pPr marL="266700" indent="-266700" algn="l" defTabSz="914400" rtl="0" eaLnBrk="1" latinLnBrk="1" hangingPunct="1">
+              <a:lnSpc>
+                <a:spcPct val="150000"/>
+              </a:lnSpc>
+              <a:spcBef>
+                <a:spcPts val="0"/>
+              </a:spcBef>
+              <a:buClr>
+                <a:schemeClr val="tx1">
+                  <a:lumMod val="65000"/>
+                  <a:lumOff val="35000"/>
+                </a:schemeClr>
+              </a:buClr>
+              <a:buFont typeface="Wingdings" pitchFamily="2" charset="2"/>
+              <a:buChar char="n"/>
+              <a:defRPr sz="2000" b="1" kern="1200">
+                <a:solidFill>
+                  <a:schemeClr val="tx1"/>
+                </a:solidFill>
+                <a:latin typeface="+mn-ea"/>
+                <a:ea typeface="+mn-ea"/>
+                <a:cs typeface="+mn-cs"/>
+              </a:defRPr>
+            </a:lvl1pPr>
+            <a:lvl2pPr marL="447675" indent="-180975" algn="l" defTabSz="914400" rtl="0" eaLnBrk="1" latinLnBrk="1" hangingPunct="1">
+              <a:lnSpc>
+                <a:spcPct val="150000"/>
+              </a:lnSpc>
+              <a:spcBef>
+                <a:spcPts val="500"/>
+              </a:spcBef>
+              <a:spcAft>
+                <a:spcPts val="400"/>
+              </a:spcAft>
+              <a:buClr>
+                <a:schemeClr val="tx1">
+                  <a:lumMod val="65000"/>
+                  <a:lumOff val="35000"/>
+                </a:schemeClr>
+              </a:buClr>
+              <a:buFont typeface="Wingdings" pitchFamily="2" charset="2"/>
+              <a:buChar char="§"/>
+              <a:defRPr sz="1600" kern="1200">
+                <a:solidFill>
+                  <a:schemeClr val="tx1"/>
+                </a:solidFill>
+                <a:latin typeface="+mn-lt"/>
+                <a:ea typeface="+mn-ea"/>
+                <a:cs typeface="+mn-cs"/>
+              </a:defRPr>
+            </a:lvl2pPr>
+            <a:lvl3pPr marL="628650" indent="-180975" algn="l" defTabSz="914400" rtl="0" eaLnBrk="1" latinLnBrk="1" hangingPunct="1">
+              <a:lnSpc>
+                <a:spcPct val="150000"/>
+              </a:lnSpc>
+              <a:spcBef>
+                <a:spcPts val="500"/>
+              </a:spcBef>
+              <a:spcAft>
+                <a:spcPts val="300"/>
+              </a:spcAft>
+              <a:buClr>
+                <a:schemeClr val="tx1">
+                  <a:lumMod val="65000"/>
+                  <a:lumOff val="35000"/>
+                </a:schemeClr>
+              </a:buClr>
+              <a:buFont typeface="Arial" panose="020B0604020202020204" pitchFamily="34" charset="0"/>
+              <a:buChar char="•"/>
+              <a:defRPr sz="1400" kern="1200">
+                <a:solidFill>
+                  <a:schemeClr val="tx1"/>
+                </a:solidFill>
+                <a:latin typeface="+mn-lt"/>
+                <a:ea typeface="+mn-ea"/>
+                <a:cs typeface="+mn-cs"/>
+              </a:defRPr>
+            </a:lvl3pPr>
+            <a:lvl4pPr marL="809625" indent="-180975" algn="l" defTabSz="914400" rtl="0" eaLnBrk="1" latinLnBrk="1" hangingPunct="1">
+              <a:lnSpc>
+                <a:spcPct val="150000"/>
+              </a:lnSpc>
+              <a:spcBef>
+                <a:spcPts val="500"/>
+              </a:spcBef>
+              <a:spcAft>
+                <a:spcPts val="300"/>
+              </a:spcAft>
+              <a:buClr>
+                <a:schemeClr val="tx1">
+                  <a:lumMod val="65000"/>
+                  <a:lumOff val="35000"/>
+                </a:schemeClr>
+              </a:buClr>
+              <a:buSzPct val="96000"/>
+              <a:buFont typeface="Arial" panose="020B0604020202020204" pitchFamily="34" charset="0"/>
+              <a:buChar char="•"/>
+              <a:defRPr sz="1200" kern="1200">
+                <a:solidFill>
+                  <a:schemeClr val="tx1"/>
+                </a:solidFill>
+                <a:latin typeface="+mn-lt"/>
+                <a:ea typeface="+mn-ea"/>
+                <a:cs typeface="+mn-cs"/>
+              </a:defRPr>
+            </a:lvl4pPr>
+            <a:lvl5pPr marL="990600" indent="-180975" algn="l" defTabSz="914400" rtl="0" eaLnBrk="1" latinLnBrk="1" hangingPunct="1">
+              <a:lnSpc>
+                <a:spcPct val="150000"/>
+              </a:lnSpc>
+              <a:spcBef>
+                <a:spcPts val="500"/>
+              </a:spcBef>
+              <a:buClr>
+                <a:schemeClr val="tx1">
+                  <a:lumMod val="65000"/>
+                  <a:lumOff val="35000"/>
+                </a:schemeClr>
+              </a:buClr>
+              <a:buFont typeface="Arial" panose="020B0604020202020204" pitchFamily="34" charset="0"/>
+              <a:buChar char="•"/>
+              <a:defRPr sz="1000" kern="1200">
+                <a:solidFill>
+                  <a:schemeClr val="tx1"/>
+                </a:solidFill>
+                <a:latin typeface="+mn-lt"/>
+                <a:ea typeface="+mn-ea"/>
+                <a:cs typeface="+mn-cs"/>
+              </a:defRPr>
+            </a:lvl5pPr>
+            <a:lvl6pPr marL="2514600" indent="-228600" algn="l" defTabSz="914400" rtl="0" eaLnBrk="1" latinLnBrk="1" hangingPunct="1">
+              <a:lnSpc>
+                <a:spcPct val="90000"/>
+              </a:lnSpc>
+              <a:spcBef>
+                <a:spcPts val="500"/>
+              </a:spcBef>
+              <a:buFont typeface="Arial" panose="020B0604020202020204" pitchFamily="34" charset="0"/>
+              <a:buChar char="•"/>
+              <a:defRPr sz="1800" kern="1200">
+                <a:solidFill>
+                  <a:schemeClr val="tx1"/>
+                </a:solidFill>
+                <a:latin typeface="+mn-lt"/>
+                <a:ea typeface="+mn-ea"/>
+                <a:cs typeface="+mn-cs"/>
+              </a:defRPr>
+            </a:lvl6pPr>
+            <a:lvl7pPr marL="2971800" indent="-228600" algn="l" defTabSz="914400" rtl="0" eaLnBrk="1" latinLnBrk="1" hangingPunct="1">
+              <a:lnSpc>
+                <a:spcPct val="90000"/>
+              </a:lnSpc>
+              <a:spcBef>
+                <a:spcPts val="500"/>
+              </a:spcBef>
+              <a:buFont typeface="Arial" panose="020B0604020202020204" pitchFamily="34" charset="0"/>
+              <a:buChar char="•"/>
+              <a:defRPr sz="1800" kern="1200">
+                <a:solidFill>
+                  <a:schemeClr val="tx1"/>
+                </a:solidFill>
+                <a:latin typeface="+mn-lt"/>
+                <a:ea typeface="+mn-ea"/>
+                <a:cs typeface="+mn-cs"/>
+              </a:defRPr>
+            </a:lvl7pPr>
+            <a:lvl8pPr marL="3429000" indent="-228600" algn="l" defTabSz="914400" rtl="0" eaLnBrk="1" latinLnBrk="1" hangingPunct="1">
+              <a:lnSpc>
+                <a:spcPct val="90000"/>
+              </a:lnSpc>
+              <a:spcBef>
+                <a:spcPts val="500"/>
+              </a:spcBef>
+              <a:buFont typeface="Arial" panose="020B0604020202020204" pitchFamily="34" charset="0"/>
+              <a:buChar char="•"/>
+              <a:defRPr sz="1800" kern="1200">
+                <a:solidFill>
+                  <a:schemeClr val="tx1"/>
+                </a:solidFill>
+                <a:latin typeface="+mn-lt"/>
+                <a:ea typeface="+mn-ea"/>
+                <a:cs typeface="+mn-cs"/>
+              </a:defRPr>
+            </a:lvl8pPr>
+            <a:lvl9pPr marL="3886200" indent="-228600" algn="l" defTabSz="914400" rtl="0" eaLnBrk="1" latinLnBrk="1" hangingPunct="1">
+              <a:lnSpc>
+                <a:spcPct val="90000"/>
+              </a:lnSpc>
+              <a:spcBef>
+                <a:spcPts val="500"/>
+              </a:spcBef>
+              <a:buFont typeface="Arial" panose="020B0604020202020204" pitchFamily="34" charset="0"/>
+              <a:buChar char="•"/>
+              <a:defRPr sz="1800" kern="1200">
+                <a:solidFill>
+                  <a:schemeClr val="tx1"/>
+                </a:solidFill>
+                <a:latin typeface="+mn-lt"/>
+                <a:ea typeface="+mn-ea"/>
+                <a:cs typeface="+mn-cs"/>
+              </a:defRPr>
+            </a:lvl9pPr>
+          </a:lstStyle>
+          <a:p>
+            <a:pPr>
+              <a:spcBef>
+                <a:spcPct val="0"/>
+              </a:spcBef>
+            </a:pPr>
+            <a:r>
+              <a:rPr lang="ko-KR" altLang="en-US" sz="1600" dirty="0">
+                <a:latin typeface="+mn-lt"/>
+              </a:rPr>
+              <a:t>기타</a:t>
+            </a:r>
+            <a:endParaRPr lang="en-US" altLang="ko-KR" sz="1600" dirty="0">
+              <a:latin typeface="+mn-lt"/>
+            </a:endParaRPr>
+          </a:p>
+          <a:p>
+            <a:pPr marL="609600" lvl="1" indent="-342900">
+              <a:spcBef>
+                <a:spcPts val="0"/>
+              </a:spcBef>
+              <a:spcAft>
+                <a:spcPts val="0"/>
+              </a:spcAft>
+              <a:buClr>
+                <a:schemeClr val="tx1">
+                  <a:lumMod val="50000"/>
+                  <a:lumOff val="50000"/>
+                </a:schemeClr>
+              </a:buClr>
+              <a:buFont typeface="Wingdings" pitchFamily="2" charset="2"/>
+              <a:buAutoNum type="arabicPeriod"/>
+            </a:pPr>
+            <a:r>
+              <a:rPr lang="en-US" altLang="ko-KR" dirty="0"/>
+              <a:t>git diff </a:t>
+            </a:r>
+            <a:r>
+              <a:rPr lang="ko-KR" altLang="en-US" dirty="0"/>
+              <a:t>화면에서</a:t>
+            </a:r>
+            <a:endParaRPr lang="en-US" altLang="ko-KR" dirty="0"/>
+          </a:p>
+          <a:p>
+            <a:pPr marL="266700" lvl="1" indent="0">
+              <a:spcBef>
+                <a:spcPts val="0"/>
+              </a:spcBef>
+              <a:spcAft>
+                <a:spcPts val="0"/>
+              </a:spcAft>
+              <a:buClr>
+                <a:schemeClr val="tx1">
+                  <a:lumMod val="50000"/>
+                  <a:lumOff val="50000"/>
+                </a:schemeClr>
+              </a:buClr>
+              <a:buNone/>
+            </a:pPr>
+            <a:r>
+              <a:rPr lang="en-US" altLang="ko-KR" dirty="0"/>
+              <a:t>     @@ -2,5 +3,2 @@ </a:t>
+            </a:r>
+          </a:p>
+          <a:p>
+            <a:pPr marL="266700" lvl="1" indent="0">
+              <a:spcBef>
+                <a:spcPts val="0"/>
+              </a:spcBef>
+              <a:spcAft>
+                <a:spcPts val="0"/>
+              </a:spcAft>
+              <a:buClr>
+                <a:schemeClr val="tx1">
+                  <a:lumMod val="50000"/>
+                  <a:lumOff val="50000"/>
+                </a:schemeClr>
+              </a:buClr>
+              <a:buNone/>
+            </a:pPr>
+            <a:r>
+              <a:rPr lang="en-US" altLang="ko-KR" dirty="0"/>
+              <a:t>     -</a:t>
+            </a:r>
+            <a:r>
+              <a:rPr lang="ko-KR" altLang="en-US" dirty="0"/>
+              <a:t>는 </a:t>
+            </a:r>
+            <a:r>
+              <a:rPr lang="ko-KR" altLang="en-US" dirty="0" err="1"/>
+              <a:t>이전버젼</a:t>
+            </a:r>
+            <a:r>
+              <a:rPr lang="en-US" altLang="ko-KR" dirty="0"/>
+              <a:t>, +</a:t>
+            </a:r>
+            <a:r>
+              <a:rPr lang="ko-KR" altLang="en-US" dirty="0"/>
+              <a:t>는 </a:t>
+            </a:r>
+            <a:r>
+              <a:rPr lang="ko-KR" altLang="en-US" dirty="0" err="1"/>
+              <a:t>현재버젼</a:t>
+            </a:r>
+            <a:endParaRPr lang="en-US" altLang="ko-KR" dirty="0"/>
+          </a:p>
+          <a:p>
+            <a:pPr marL="266700" lvl="1" indent="0">
+              <a:spcBef>
+                <a:spcPts val="0"/>
+              </a:spcBef>
+              <a:spcAft>
+                <a:spcPts val="0"/>
+              </a:spcAft>
+              <a:buClr>
+                <a:schemeClr val="tx1">
+                  <a:lumMod val="50000"/>
+                  <a:lumOff val="50000"/>
+                </a:schemeClr>
+              </a:buClr>
+              <a:buNone/>
+            </a:pPr>
+            <a:r>
+              <a:rPr lang="en-US" altLang="ko-KR" dirty="0"/>
+              <a:t>       -2,5 : </a:t>
+            </a:r>
+            <a:r>
+              <a:rPr lang="ko-KR" altLang="en-US" dirty="0"/>
+              <a:t>이전버전 </a:t>
+            </a:r>
+            <a:r>
+              <a:rPr lang="en-US" altLang="ko-KR" dirty="0"/>
+              <a:t>2</a:t>
+            </a:r>
+            <a:r>
+              <a:rPr lang="ko-KR" altLang="en-US" dirty="0"/>
+              <a:t>번째 라인부터 </a:t>
+            </a:r>
+            <a:r>
+              <a:rPr lang="en-US" altLang="ko-KR" dirty="0"/>
+              <a:t>,5</a:t>
+            </a:r>
+            <a:r>
+              <a:rPr lang="ko-KR" altLang="en-US" dirty="0"/>
+              <a:t>개의 라인을 보여주고</a:t>
+            </a:r>
+            <a:r>
+              <a:rPr lang="en-US" altLang="ko-KR" dirty="0"/>
+              <a:t>, +3,2 </a:t>
+            </a:r>
+            <a:r>
+              <a:rPr lang="ko-KR" altLang="en-US" dirty="0" err="1"/>
+              <a:t>현재버젼</a:t>
+            </a:r>
+            <a:r>
+              <a:rPr lang="ko-KR" altLang="en-US" dirty="0"/>
+              <a:t> </a:t>
+            </a:r>
+            <a:r>
+              <a:rPr lang="en-US" altLang="ko-KR" dirty="0"/>
+              <a:t>3</a:t>
+            </a:r>
+            <a:r>
+              <a:rPr lang="ko-KR" altLang="en-US" dirty="0"/>
+              <a:t>번째 라인부터</a:t>
+            </a:r>
+            <a:r>
+              <a:rPr lang="en-US" altLang="ko-KR" dirty="0"/>
+              <a:t>2</a:t>
+            </a:r>
+            <a:r>
+              <a:rPr lang="ko-KR" altLang="en-US" dirty="0"/>
+              <a:t>개의 라인을 비교했다는 의미 </a:t>
+            </a:r>
+            <a:endParaRPr lang="en-US" altLang="ko-KR" dirty="0"/>
           </a:p>
         </p:txBody>
       </p:sp>

--- a/git및github첫걸음-git사용하기.pptx
+++ b/git및github첫걸음-git사용하기.pptx
@@ -1534,6 +1534,61 @@
               <a:rPr lang="ko-KR" altLang="en-US" dirty="0" err="1"/>
               <a:t>지나감</a:t>
             </a:r>
+            <a:endParaRPr lang="en-US" altLang="ko-KR" dirty="0"/>
+          </a:p>
+          <a:p>
+            <a:r>
+              <a:rPr lang="en-US" altLang="ko-KR" dirty="0"/>
+              <a:t>Working</a:t>
+            </a:r>
+            <a:r>
+              <a:rPr lang="ko-KR" altLang="en-US" dirty="0"/>
+              <a:t> </a:t>
+            </a:r>
+            <a:r>
+              <a:rPr lang="en-US" altLang="ko-KR" dirty="0"/>
+              <a:t>tree</a:t>
+            </a:r>
+            <a:r>
+              <a:rPr lang="ko-KR" altLang="en-US" dirty="0"/>
+              <a:t> </a:t>
+            </a:r>
+            <a:r>
+              <a:rPr lang="en-US" altLang="ko-KR" dirty="0"/>
+              <a:t>:</a:t>
+            </a:r>
+            <a:r>
+              <a:rPr lang="ko-KR" altLang="en-US" dirty="0"/>
+              <a:t> 파일 수정</a:t>
+            </a:r>
+            <a:r>
+              <a:rPr lang="en-US" altLang="ko-KR" dirty="0"/>
+              <a:t>, </a:t>
+            </a:r>
+            <a:r>
+              <a:rPr lang="ko-KR" altLang="en-US" dirty="0"/>
+              <a:t>저장 등의 작업을 하는 </a:t>
+            </a:r>
+            <a:r>
+              <a:rPr lang="en-US" altLang="ko-KR" dirty="0"/>
+              <a:t>directory(</a:t>
+            </a:r>
+            <a:r>
+              <a:rPr lang="ko-KR" altLang="en-US" dirty="0"/>
+              <a:t>폴더</a:t>
+            </a:r>
+            <a:r>
+              <a:rPr lang="en-US" altLang="ko-KR" dirty="0"/>
+              <a:t>)</a:t>
+            </a:r>
+            <a:r>
+              <a:rPr lang="ko-KR" altLang="en-US" dirty="0"/>
+              <a:t> </a:t>
+            </a:r>
+            <a:r>
+              <a:rPr lang="en-US" altLang="ko-KR" dirty="0"/>
+              <a:t>= working directory</a:t>
+            </a:r>
             <a:endParaRPr lang="ko-KR" altLang="en-US" dirty="0"/>
           </a:p>
         </p:txBody>
@@ -2237,8 +2292,8 @@
               <a:t> </a:t>
             </a:r>
             <a:r>
-              <a:rPr lang="en-US" altLang="ko-KR" dirty="0" err="1"/>
-              <a:t>suicied</a:t>
+              <a:rPr lang="en-US" altLang="ko-KR" dirty="0"/>
+              <a:t>suicide</a:t>
             </a:r>
             <a:r>
               <a:rPr lang="ko-KR" altLang="en-US" dirty="0"/>
@@ -2346,6 +2401,26 @@
           <a:bodyPr/>
           <a:lstStyle/>
           <a:p>
+            <a:r>
+              <a:rPr lang="en-US" altLang="ko-KR" dirty="0"/>
+              <a:t>Tag</a:t>
+            </a:r>
+            <a:r>
+              <a:rPr lang="ko-KR" altLang="en-US" dirty="0"/>
+              <a:t> 객체를 포함하여 모두 </a:t>
+            </a:r>
+            <a:r>
+              <a:rPr lang="en-US" altLang="ko-KR" dirty="0"/>
+              <a:t>4</a:t>
+            </a:r>
+            <a:r>
+              <a:rPr lang="ko-KR" altLang="en-US" dirty="0"/>
+              <a:t>개 객체가 존재함</a:t>
+            </a:r>
+            <a:r>
+              <a:rPr lang="en-US" altLang="ko-KR" dirty="0"/>
+              <a:t>.</a:t>
+            </a:r>
             <a:endParaRPr lang="ko-KR" altLang="en-US" dirty="0"/>
           </a:p>
         </p:txBody>
@@ -2682,6 +2757,26 @@
           <a:bodyPr/>
           <a:lstStyle/>
           <a:p>
+            <a:r>
+              <a:rPr lang="en-US" altLang="ko-KR" dirty="0"/>
+              <a:t>Git</a:t>
+            </a:r>
+            <a:r>
+              <a:rPr lang="ko-KR" altLang="en-US" dirty="0"/>
+              <a:t> </a:t>
+            </a:r>
+            <a:r>
+              <a:rPr lang="en-US" altLang="ko-KR" dirty="0"/>
+              <a:t>switch</a:t>
+            </a:r>
+            <a:r>
+              <a:rPr lang="ko-KR" altLang="en-US" dirty="0"/>
+              <a:t> 로 바뀌고 있음</a:t>
+            </a:r>
+            <a:r>
+              <a:rPr lang="en-US" altLang="ko-KR" dirty="0"/>
+              <a:t>.</a:t>
+            </a:r>
             <a:endParaRPr lang="ko-KR" altLang="en-US" dirty="0"/>
           </a:p>
         </p:txBody>
@@ -12374,6 +12469,17 @@
               </a:rPr>
               <a:t>Working Directory</a:t>
             </a:r>
+          </a:p>
+          <a:p>
+            <a:pPr algn="ctr"/>
+            <a:r>
+              <a:rPr lang="en-US" altLang="ko-KR" dirty="0">
+                <a:solidFill>
+                  <a:schemeClr val="tx1"/>
+                </a:solidFill>
+              </a:rPr>
+              <a:t>(working tree)</a:t>
+            </a:r>
             <a:endParaRPr lang="ko-KR" altLang="en-US" dirty="0">
               <a:solidFill>
                 <a:schemeClr val="tx1"/>
@@ -13290,7 +13396,7 @@
               <a:rPr lang="ko-KR" altLang="en-US" sz="1400" dirty="0">
                 <a:latin typeface="+mn-ea"/>
               </a:rPr>
-              <a:t>를 </a:t>
+              <a:t>에 </a:t>
             </a:r>
             <a:r>
               <a:rPr lang="ko-KR" altLang="en-US" sz="1400" dirty="0">
@@ -16329,7 +16435,31 @@
               <a:rPr lang="en-US" altLang="ko-KR" dirty="0">
                 <a:latin typeface="+mn-ea"/>
               </a:rPr>
-              <a:t>.git directory </a:t>
+              <a:t>.git directory (</a:t>
+            </a:r>
+            <a:r>
+              <a:rPr lang="ko-KR" altLang="en-US" dirty="0">
+                <a:latin typeface="+mn-ea"/>
+              </a:rPr>
+              <a:t>로컬</a:t>
+            </a:r>
+            <a:r>
+              <a:rPr lang="en-US" altLang="ko-KR" dirty="0">
+                <a:latin typeface="+mn-ea"/>
+              </a:rPr>
+              <a:t>, </a:t>
+            </a:r>
+            <a:r>
+              <a:rPr lang="ko-KR" altLang="en-US" dirty="0">
+                <a:latin typeface="+mn-ea"/>
+              </a:rPr>
+              <a:t>원격</a:t>
+            </a:r>
+            <a:r>
+              <a:rPr lang="en-US" altLang="ko-KR" dirty="0">
+                <a:latin typeface="+mn-ea"/>
+              </a:rPr>
+              <a:t>) </a:t>
             </a:r>
             <a:r>
               <a:rPr lang="ko-KR" altLang="en-US" dirty="0">
@@ -16338,14 +16468,17 @@
                 </a:solidFill>
                 <a:latin typeface="+mn-ea"/>
               </a:rPr>
-              <a:t>저장소에 등록시키는 명령어</a:t>
-            </a:r>
-            <a:endParaRPr lang="en-US" altLang="ko-KR" dirty="0">
-              <a:solidFill>
-                <a:srgbClr val="0000FF"/>
-              </a:solidFill>
-              <a:latin typeface="+mn-ea"/>
-            </a:endParaRPr>
+              <a:t>저장소에 등록시키는 명령어로 생각하면 무리 없음</a:t>
+            </a:r>
+            <a:r>
+              <a:rPr lang="en-US" altLang="ko-KR" dirty="0">
+                <a:solidFill>
+                  <a:srgbClr val="0000FF"/>
+                </a:solidFill>
+                <a:latin typeface="+mn-ea"/>
+              </a:rPr>
+              <a:t>.</a:t>
+            </a:r>
           </a:p>
           <a:p>
             <a:pPr marL="266700" lvl="1" indent="0">
@@ -16592,7 +16725,7 @@
         </p:nvSpPr>
         <p:spPr>
           <a:xfrm rot="10800000">
-            <a:off x="488751" y="4763690"/>
+            <a:off x="460176" y="4763690"/>
             <a:ext cx="556306" cy="163910"/>
           </a:xfrm>
           <a:prstGeom prst="leftArrow">
@@ -17942,7 +18075,7 @@
               <a:rPr lang="en-US" altLang="ko-KR" dirty="0">
                 <a:latin typeface="+mn-ea"/>
               </a:rPr>
-              <a:t>‘5. --feature work</a:t>
+              <a:t>‘5. -- feature work</a:t>
             </a:r>
             <a:r>
               <a:rPr lang="ko-KR" altLang="en-US" dirty="0">
@@ -18101,7 +18234,7 @@
               <a:rPr lang="en-US" altLang="ko-KR" dirty="0">
                 <a:latin typeface="+mn-ea"/>
               </a:rPr>
-              <a:t> all(changed file)r</a:t>
+              <a:t> all(changed file)</a:t>
             </a:r>
             <a:r>
               <a:rPr lang="ko-KR" altLang="en-US" dirty="0">
@@ -18175,7 +18308,7 @@
               <a:rPr lang="en-US" altLang="ko-KR" dirty="0">
                 <a:latin typeface="+mn-ea"/>
               </a:rPr>
-              <a:t>–am</a:t>
+              <a:t>-am</a:t>
             </a:r>
             <a:r>
               <a:rPr lang="ko-KR" altLang="en-US" dirty="0">
@@ -21310,7 +21443,43 @@
                 </a:solidFill>
                 <a:latin typeface="+mn-ea"/>
               </a:rPr>
-              <a:t> 고유의 폴더가 존재하니 혼동하지 말아야 함</a:t>
+              <a:t> 고유의 폴더</a:t>
+            </a:r>
+            <a:r>
+              <a:rPr lang="en-US" altLang="ko-KR" dirty="0">
+                <a:solidFill>
+                  <a:srgbClr val="0000FF"/>
+                </a:solidFill>
+                <a:latin typeface="+mn-ea"/>
+              </a:rPr>
+              <a:t>(working</a:t>
+            </a:r>
+            <a:r>
+              <a:rPr lang="ko-KR" altLang="en-US" dirty="0">
+                <a:solidFill>
+                  <a:srgbClr val="0000FF"/>
+                </a:solidFill>
+                <a:latin typeface="+mn-ea"/>
+              </a:rPr>
+              <a:t> </a:t>
+            </a:r>
+            <a:r>
+              <a:rPr lang="en-US" altLang="ko-KR" dirty="0">
+                <a:solidFill>
+                  <a:srgbClr val="0000FF"/>
+                </a:solidFill>
+                <a:latin typeface="+mn-ea"/>
+              </a:rPr>
+              <a:t>tree)</a:t>
+            </a:r>
+            <a:r>
+              <a:rPr lang="ko-KR" altLang="en-US" dirty="0">
+                <a:solidFill>
+                  <a:srgbClr val="0000FF"/>
+                </a:solidFill>
+                <a:latin typeface="+mn-ea"/>
+              </a:rPr>
+              <a:t>가 존재하니 혼동하지 말아야 함</a:t>
             </a:r>
             <a:r>
               <a:rPr lang="en-US" altLang="ko-KR" dirty="0">
@@ -24522,19 +24691,7 @@
               <a:rPr lang="en-US" altLang="ko-KR" dirty="0">
                 <a:latin typeface="+mn-ea"/>
               </a:rPr>
-              <a:t>   ☞ </a:t>
-            </a:r>
-            <a:r>
-              <a:rPr lang="en-US" altLang="ko-KR" dirty="0" err="1">
-                <a:latin typeface="+mn-ea"/>
-              </a:rPr>
-              <a:t>git</a:t>
-            </a:r>
-            <a:r>
-              <a:rPr lang="en-US" altLang="ko-KR" dirty="0">
-                <a:latin typeface="+mn-ea"/>
-              </a:rPr>
-              <a:t> commit –m ‘p3.txt from main’ </a:t>
+              <a:t>   ☞ git commit -m ‘p3.txt from main’ </a:t>
             </a:r>
           </a:p>
           <a:p>
@@ -27843,19 +28000,7 @@
               <a:rPr lang="en-US" altLang="ko-KR" dirty="0">
                 <a:latin typeface="+mn-ea"/>
               </a:rPr>
-              <a:t>   ☞ </a:t>
-            </a:r>
-            <a:r>
-              <a:rPr lang="en-US" altLang="ko-KR" dirty="0" err="1">
-                <a:latin typeface="+mn-ea"/>
-              </a:rPr>
-              <a:t>git</a:t>
-            </a:r>
-            <a:r>
-              <a:rPr lang="en-US" altLang="ko-KR" dirty="0">
-                <a:latin typeface="+mn-ea"/>
-              </a:rPr>
-              <a:t> commit –am ‘feature story add from feature-1’</a:t>
+              <a:t>   ☞ git commit -am ‘feature story add from feature-1’</a:t>
             </a:r>
           </a:p>
           <a:p>
@@ -39137,25 +39282,7 @@
               <a:rPr lang="en-US" altLang="ko-KR" dirty="0">
                 <a:latin typeface="+mn-ea"/>
               </a:rPr>
-              <a:t>    ☞  git checkout &lt;commit ID1&gt; # </a:t>
-            </a:r>
-            <a:r>
-              <a:rPr lang="en-US" altLang="ko-KR" dirty="0">
-                <a:solidFill>
-                  <a:srgbClr val="0000FF"/>
-                </a:solidFill>
-                <a:latin typeface="+mn-ea"/>
-              </a:rPr>
-              <a:t>checkout </a:t>
-            </a:r>
-            <a:r>
-              <a:rPr lang="ko-KR" altLang="en-US" dirty="0">
-                <a:solidFill>
-                  <a:srgbClr val="0000FF"/>
-                </a:solidFill>
-                <a:latin typeface="+mn-ea"/>
-              </a:rPr>
-              <a:t>명령어 습득 후 실습</a:t>
+              <a:t>    ☞  git checkout &lt;commit ID1&gt;</a:t>
             </a:r>
             <a:endParaRPr lang="en-US" altLang="ko-KR" dirty="0">
               <a:solidFill>
